--- a/doc/XIBO.pptx
+++ b/doc/XIBO.pptx
@@ -120,7 +120,7 @@
   </p:defaultTextStyle>
   <p:extLst>
     <p:ext uri="{EFAFB233-063F-42B5-8137-9DF3F51BA10A}">
-      <p15:sldGuideLst xmlns:p15="http://schemas.microsoft.com/office/powerpoint/2012/main"/>
+      <p15:sldGuideLst xmlns:p15="http://schemas.microsoft.com/office/powerpoint/2012/main" xmlns=""/>
     </p:ext>
   </p:extLst>
 </p:presentation>
@@ -148,7 +148,7 @@
           <p:cNvPr id="2" name="Titre 1">
             <a:extLst>
               <a:ext uri="{FF2B5EF4-FFF2-40B4-BE49-F238E27FC236}">
-                <a16:creationId xmlns:a16="http://schemas.microsoft.com/office/drawing/2014/main" id="{853E40E6-F289-4FEF-9712-CDB710C24976}"/>
+                <a16:creationId xmlns:a16="http://schemas.microsoft.com/office/drawing/2014/main" xmlns="" id="{853E40E6-F289-4FEF-9712-CDB710C24976}"/>
               </a:ext>
             </a:extLst>
           </p:cNvPr>
@@ -185,7 +185,7 @@
           <p:cNvPr id="3" name="Sous-titre 2">
             <a:extLst>
               <a:ext uri="{FF2B5EF4-FFF2-40B4-BE49-F238E27FC236}">
-                <a16:creationId xmlns:a16="http://schemas.microsoft.com/office/drawing/2014/main" id="{30DC8616-0BD9-4BCF-B643-C72101B3A188}"/>
+                <a16:creationId xmlns:a16="http://schemas.microsoft.com/office/drawing/2014/main" xmlns="" id="{30DC8616-0BD9-4BCF-B643-C72101B3A188}"/>
               </a:ext>
             </a:extLst>
           </p:cNvPr>
@@ -255,7 +255,7 @@
           <p:cNvPr id="4" name="Espace réservé de la date 3">
             <a:extLst>
               <a:ext uri="{FF2B5EF4-FFF2-40B4-BE49-F238E27FC236}">
-                <a16:creationId xmlns:a16="http://schemas.microsoft.com/office/drawing/2014/main" id="{222EA953-1234-4332-91AB-58924FD42C6F}"/>
+                <a16:creationId xmlns:a16="http://schemas.microsoft.com/office/drawing/2014/main" xmlns="" id="{222EA953-1234-4332-91AB-58924FD42C6F}"/>
               </a:ext>
             </a:extLst>
           </p:cNvPr>
@@ -273,6 +273,7 @@
           <a:p>
             <a:fld id="{CDA319C9-3DB7-4075-B18D-A4BA935141D6}" type="datetimeFigureOut">
               <a:rPr lang="fr-FR" smtClean="0"/>
+              <a:pPr/>
               <a:t>26/02/2025</a:t>
             </a:fld>
             <a:endParaRPr lang="fr-FR"/>
@@ -284,7 +285,7 @@
           <p:cNvPr id="5" name="Espace réservé du pied de page 4">
             <a:extLst>
               <a:ext uri="{FF2B5EF4-FFF2-40B4-BE49-F238E27FC236}">
-                <a16:creationId xmlns:a16="http://schemas.microsoft.com/office/drawing/2014/main" id="{2A294183-CCFF-4183-93D9-407F9AE643B0}"/>
+                <a16:creationId xmlns:a16="http://schemas.microsoft.com/office/drawing/2014/main" xmlns="" id="{2A294183-CCFF-4183-93D9-407F9AE643B0}"/>
               </a:ext>
             </a:extLst>
           </p:cNvPr>
@@ -309,7 +310,7 @@
           <p:cNvPr id="6" name="Espace réservé du numéro de diapositive 5">
             <a:extLst>
               <a:ext uri="{FF2B5EF4-FFF2-40B4-BE49-F238E27FC236}">
-                <a16:creationId xmlns:a16="http://schemas.microsoft.com/office/drawing/2014/main" id="{C40265DA-5ED7-44A2-826A-9B28BA692D90}"/>
+                <a16:creationId xmlns:a16="http://schemas.microsoft.com/office/drawing/2014/main" xmlns="" id="{C40265DA-5ED7-44A2-826A-9B28BA692D90}"/>
               </a:ext>
             </a:extLst>
           </p:cNvPr>
@@ -327,7 +328,8 @@
           <a:p>
             <a:fld id="{095FDB89-A7F5-4522-A800-C2F7204D4715}" type="slidenum">
               <a:rPr lang="fr-FR" smtClean="0"/>
-              <a:t>‹N°›</a:t>
+              <a:pPr/>
+              <a:t>‹#›</a:t>
             </a:fld>
             <a:endParaRPr lang="fr-FR"/>
           </a:p>
@@ -336,7 +338,7 @@
     </p:spTree>
     <p:extLst>
       <p:ext uri="{BB962C8B-B14F-4D97-AF65-F5344CB8AC3E}">
-        <p14:creationId xmlns:p14="http://schemas.microsoft.com/office/powerpoint/2010/main" val="3017005903"/>
+        <p14:creationId xmlns:p14="http://schemas.microsoft.com/office/powerpoint/2010/main" xmlns="" val="3017005903"/>
       </p:ext>
     </p:extLst>
   </p:cSld>
@@ -368,7 +370,7 @@
           <p:cNvPr id="2" name="Titre 1">
             <a:extLst>
               <a:ext uri="{FF2B5EF4-FFF2-40B4-BE49-F238E27FC236}">
-                <a16:creationId xmlns:a16="http://schemas.microsoft.com/office/drawing/2014/main" id="{1A3FBCFA-5925-44E8-AFC0-F91183FA99E0}"/>
+                <a16:creationId xmlns:a16="http://schemas.microsoft.com/office/drawing/2014/main" xmlns="" id="{1A3FBCFA-5925-44E8-AFC0-F91183FA99E0}"/>
               </a:ext>
             </a:extLst>
           </p:cNvPr>
@@ -396,7 +398,7 @@
           <p:cNvPr id="3" name="Espace réservé du texte vertical 2">
             <a:extLst>
               <a:ext uri="{FF2B5EF4-FFF2-40B4-BE49-F238E27FC236}">
-                <a16:creationId xmlns:a16="http://schemas.microsoft.com/office/drawing/2014/main" id="{443E3AFC-83D2-4A7A-BDF9-F0DF088DC288}"/>
+                <a16:creationId xmlns:a16="http://schemas.microsoft.com/office/drawing/2014/main" xmlns="" id="{443E3AFC-83D2-4A7A-BDF9-F0DF088DC288}"/>
               </a:ext>
             </a:extLst>
           </p:cNvPr>
@@ -453,7 +455,7 @@
           <p:cNvPr id="4" name="Espace réservé de la date 3">
             <a:extLst>
               <a:ext uri="{FF2B5EF4-FFF2-40B4-BE49-F238E27FC236}">
-                <a16:creationId xmlns:a16="http://schemas.microsoft.com/office/drawing/2014/main" id="{883DF921-DA0F-4A12-84B2-B642D07722F7}"/>
+                <a16:creationId xmlns:a16="http://schemas.microsoft.com/office/drawing/2014/main" xmlns="" id="{883DF921-DA0F-4A12-84B2-B642D07722F7}"/>
               </a:ext>
             </a:extLst>
           </p:cNvPr>
@@ -471,6 +473,7 @@
           <a:p>
             <a:fld id="{CDA319C9-3DB7-4075-B18D-A4BA935141D6}" type="datetimeFigureOut">
               <a:rPr lang="fr-FR" smtClean="0"/>
+              <a:pPr/>
               <a:t>26/02/2025</a:t>
             </a:fld>
             <a:endParaRPr lang="fr-FR"/>
@@ -482,7 +485,7 @@
           <p:cNvPr id="5" name="Espace réservé du pied de page 4">
             <a:extLst>
               <a:ext uri="{FF2B5EF4-FFF2-40B4-BE49-F238E27FC236}">
-                <a16:creationId xmlns:a16="http://schemas.microsoft.com/office/drawing/2014/main" id="{8EAA67CE-DE3D-4A16-909A-5258FE24B4EA}"/>
+                <a16:creationId xmlns:a16="http://schemas.microsoft.com/office/drawing/2014/main" xmlns="" id="{8EAA67CE-DE3D-4A16-909A-5258FE24B4EA}"/>
               </a:ext>
             </a:extLst>
           </p:cNvPr>
@@ -507,7 +510,7 @@
           <p:cNvPr id="6" name="Espace réservé du numéro de diapositive 5">
             <a:extLst>
               <a:ext uri="{FF2B5EF4-FFF2-40B4-BE49-F238E27FC236}">
-                <a16:creationId xmlns:a16="http://schemas.microsoft.com/office/drawing/2014/main" id="{02355E9C-781A-4064-B6AD-EE430C7C9620}"/>
+                <a16:creationId xmlns:a16="http://schemas.microsoft.com/office/drawing/2014/main" xmlns="" id="{02355E9C-781A-4064-B6AD-EE430C7C9620}"/>
               </a:ext>
             </a:extLst>
           </p:cNvPr>
@@ -525,7 +528,8 @@
           <a:p>
             <a:fld id="{095FDB89-A7F5-4522-A800-C2F7204D4715}" type="slidenum">
               <a:rPr lang="fr-FR" smtClean="0"/>
-              <a:t>‹N°›</a:t>
+              <a:pPr/>
+              <a:t>‹#›</a:t>
             </a:fld>
             <a:endParaRPr lang="fr-FR"/>
           </a:p>
@@ -534,7 +538,7 @@
     </p:spTree>
     <p:extLst>
       <p:ext uri="{BB962C8B-B14F-4D97-AF65-F5344CB8AC3E}">
-        <p14:creationId xmlns:p14="http://schemas.microsoft.com/office/powerpoint/2010/main" val="4254544040"/>
+        <p14:creationId xmlns:p14="http://schemas.microsoft.com/office/powerpoint/2010/main" xmlns="" val="4254544040"/>
       </p:ext>
     </p:extLst>
   </p:cSld>
@@ -566,7 +570,7 @@
           <p:cNvPr id="2" name="Titre vertical 1">
             <a:extLst>
               <a:ext uri="{FF2B5EF4-FFF2-40B4-BE49-F238E27FC236}">
-                <a16:creationId xmlns:a16="http://schemas.microsoft.com/office/drawing/2014/main" id="{F020790B-17BE-4501-AAA3-6EC44EE749D1}"/>
+                <a16:creationId xmlns:a16="http://schemas.microsoft.com/office/drawing/2014/main" xmlns="" id="{F020790B-17BE-4501-AAA3-6EC44EE749D1}"/>
               </a:ext>
             </a:extLst>
           </p:cNvPr>
@@ -599,7 +603,7 @@
           <p:cNvPr id="3" name="Espace réservé du texte vertical 2">
             <a:extLst>
               <a:ext uri="{FF2B5EF4-FFF2-40B4-BE49-F238E27FC236}">
-                <a16:creationId xmlns:a16="http://schemas.microsoft.com/office/drawing/2014/main" id="{8B60B8C2-96EA-4118-AE4B-41032A539037}"/>
+                <a16:creationId xmlns:a16="http://schemas.microsoft.com/office/drawing/2014/main" xmlns="" id="{8B60B8C2-96EA-4118-AE4B-41032A539037}"/>
               </a:ext>
             </a:extLst>
           </p:cNvPr>
@@ -661,7 +665,7 @@
           <p:cNvPr id="4" name="Espace réservé de la date 3">
             <a:extLst>
               <a:ext uri="{FF2B5EF4-FFF2-40B4-BE49-F238E27FC236}">
-                <a16:creationId xmlns:a16="http://schemas.microsoft.com/office/drawing/2014/main" id="{13D403DD-B127-4BE4-B60C-AA6A6894BAA7}"/>
+                <a16:creationId xmlns:a16="http://schemas.microsoft.com/office/drawing/2014/main" xmlns="" id="{13D403DD-B127-4BE4-B60C-AA6A6894BAA7}"/>
               </a:ext>
             </a:extLst>
           </p:cNvPr>
@@ -679,6 +683,7 @@
           <a:p>
             <a:fld id="{CDA319C9-3DB7-4075-B18D-A4BA935141D6}" type="datetimeFigureOut">
               <a:rPr lang="fr-FR" smtClean="0"/>
+              <a:pPr/>
               <a:t>26/02/2025</a:t>
             </a:fld>
             <a:endParaRPr lang="fr-FR"/>
@@ -690,7 +695,7 @@
           <p:cNvPr id="5" name="Espace réservé du pied de page 4">
             <a:extLst>
               <a:ext uri="{FF2B5EF4-FFF2-40B4-BE49-F238E27FC236}">
-                <a16:creationId xmlns:a16="http://schemas.microsoft.com/office/drawing/2014/main" id="{068019C0-7BDF-4286-8884-214DBEBAF065}"/>
+                <a16:creationId xmlns:a16="http://schemas.microsoft.com/office/drawing/2014/main" xmlns="" id="{068019C0-7BDF-4286-8884-214DBEBAF065}"/>
               </a:ext>
             </a:extLst>
           </p:cNvPr>
@@ -715,7 +720,7 @@
           <p:cNvPr id="6" name="Espace réservé du numéro de diapositive 5">
             <a:extLst>
               <a:ext uri="{FF2B5EF4-FFF2-40B4-BE49-F238E27FC236}">
-                <a16:creationId xmlns:a16="http://schemas.microsoft.com/office/drawing/2014/main" id="{F700721E-CF3B-433C-9A79-A7D711EC3A9E}"/>
+                <a16:creationId xmlns:a16="http://schemas.microsoft.com/office/drawing/2014/main" xmlns="" id="{F700721E-CF3B-433C-9A79-A7D711EC3A9E}"/>
               </a:ext>
             </a:extLst>
           </p:cNvPr>
@@ -733,7 +738,8 @@
           <a:p>
             <a:fld id="{095FDB89-A7F5-4522-A800-C2F7204D4715}" type="slidenum">
               <a:rPr lang="fr-FR" smtClean="0"/>
-              <a:t>‹N°›</a:t>
+              <a:pPr/>
+              <a:t>‹#›</a:t>
             </a:fld>
             <a:endParaRPr lang="fr-FR"/>
           </a:p>
@@ -742,7 +748,7 @@
     </p:spTree>
     <p:extLst>
       <p:ext uri="{BB962C8B-B14F-4D97-AF65-F5344CB8AC3E}">
-        <p14:creationId xmlns:p14="http://schemas.microsoft.com/office/powerpoint/2010/main" val="2699791020"/>
+        <p14:creationId xmlns:p14="http://schemas.microsoft.com/office/powerpoint/2010/main" xmlns="" val="2699791020"/>
       </p:ext>
     </p:extLst>
   </p:cSld>
@@ -774,7 +780,7 @@
           <p:cNvPr id="2" name="Titre 1">
             <a:extLst>
               <a:ext uri="{FF2B5EF4-FFF2-40B4-BE49-F238E27FC236}">
-                <a16:creationId xmlns:a16="http://schemas.microsoft.com/office/drawing/2014/main" id="{8D2DAAF6-C481-4463-985A-1DEB098734BD}"/>
+                <a16:creationId xmlns:a16="http://schemas.microsoft.com/office/drawing/2014/main" xmlns="" id="{8D2DAAF6-C481-4463-985A-1DEB098734BD}"/>
               </a:ext>
             </a:extLst>
           </p:cNvPr>
@@ -802,7 +808,7 @@
           <p:cNvPr id="3" name="Espace réservé du contenu 2">
             <a:extLst>
               <a:ext uri="{FF2B5EF4-FFF2-40B4-BE49-F238E27FC236}">
-                <a16:creationId xmlns:a16="http://schemas.microsoft.com/office/drawing/2014/main" id="{6F7E22B2-4F47-4280-8D70-B4F63A6B95A7}"/>
+                <a16:creationId xmlns:a16="http://schemas.microsoft.com/office/drawing/2014/main" xmlns="" id="{6F7E22B2-4F47-4280-8D70-B4F63A6B95A7}"/>
               </a:ext>
             </a:extLst>
           </p:cNvPr>
@@ -859,7 +865,7 @@
           <p:cNvPr id="4" name="Espace réservé de la date 3">
             <a:extLst>
               <a:ext uri="{FF2B5EF4-FFF2-40B4-BE49-F238E27FC236}">
-                <a16:creationId xmlns:a16="http://schemas.microsoft.com/office/drawing/2014/main" id="{2CAAE115-88E4-4844-AD0D-561460E45159}"/>
+                <a16:creationId xmlns:a16="http://schemas.microsoft.com/office/drawing/2014/main" xmlns="" id="{2CAAE115-88E4-4844-AD0D-561460E45159}"/>
               </a:ext>
             </a:extLst>
           </p:cNvPr>
@@ -877,6 +883,7 @@
           <a:p>
             <a:fld id="{CDA319C9-3DB7-4075-B18D-A4BA935141D6}" type="datetimeFigureOut">
               <a:rPr lang="fr-FR" smtClean="0"/>
+              <a:pPr/>
               <a:t>26/02/2025</a:t>
             </a:fld>
             <a:endParaRPr lang="fr-FR"/>
@@ -888,7 +895,7 @@
           <p:cNvPr id="5" name="Espace réservé du pied de page 4">
             <a:extLst>
               <a:ext uri="{FF2B5EF4-FFF2-40B4-BE49-F238E27FC236}">
-                <a16:creationId xmlns:a16="http://schemas.microsoft.com/office/drawing/2014/main" id="{09F19107-D9A7-4644-9130-93694A4A9396}"/>
+                <a16:creationId xmlns:a16="http://schemas.microsoft.com/office/drawing/2014/main" xmlns="" id="{09F19107-D9A7-4644-9130-93694A4A9396}"/>
               </a:ext>
             </a:extLst>
           </p:cNvPr>
@@ -913,7 +920,7 @@
           <p:cNvPr id="6" name="Espace réservé du numéro de diapositive 5">
             <a:extLst>
               <a:ext uri="{FF2B5EF4-FFF2-40B4-BE49-F238E27FC236}">
-                <a16:creationId xmlns:a16="http://schemas.microsoft.com/office/drawing/2014/main" id="{4AEC7995-23CC-46E2-B22E-02823831A589}"/>
+                <a16:creationId xmlns:a16="http://schemas.microsoft.com/office/drawing/2014/main" xmlns="" id="{4AEC7995-23CC-46E2-B22E-02823831A589}"/>
               </a:ext>
             </a:extLst>
           </p:cNvPr>
@@ -931,7 +938,8 @@
           <a:p>
             <a:fld id="{095FDB89-A7F5-4522-A800-C2F7204D4715}" type="slidenum">
               <a:rPr lang="fr-FR" smtClean="0"/>
-              <a:t>‹N°›</a:t>
+              <a:pPr/>
+              <a:t>‹#›</a:t>
             </a:fld>
             <a:endParaRPr lang="fr-FR"/>
           </a:p>
@@ -940,7 +948,7 @@
     </p:spTree>
     <p:extLst>
       <p:ext uri="{BB962C8B-B14F-4D97-AF65-F5344CB8AC3E}">
-        <p14:creationId xmlns:p14="http://schemas.microsoft.com/office/powerpoint/2010/main" val="1238329694"/>
+        <p14:creationId xmlns:p14="http://schemas.microsoft.com/office/powerpoint/2010/main" xmlns="" val="1238329694"/>
       </p:ext>
     </p:extLst>
   </p:cSld>
@@ -972,7 +980,7 @@
           <p:cNvPr id="2" name="Titre 1">
             <a:extLst>
               <a:ext uri="{FF2B5EF4-FFF2-40B4-BE49-F238E27FC236}">
-                <a16:creationId xmlns:a16="http://schemas.microsoft.com/office/drawing/2014/main" id="{A959C045-F59D-42AE-8CA9-37D59BC9F6BC}"/>
+                <a16:creationId xmlns:a16="http://schemas.microsoft.com/office/drawing/2014/main" xmlns="" id="{A959C045-F59D-42AE-8CA9-37D59BC9F6BC}"/>
               </a:ext>
             </a:extLst>
           </p:cNvPr>
@@ -1009,7 +1017,7 @@
           <p:cNvPr id="3" name="Espace réservé du texte 2">
             <a:extLst>
               <a:ext uri="{FF2B5EF4-FFF2-40B4-BE49-F238E27FC236}">
-                <a16:creationId xmlns:a16="http://schemas.microsoft.com/office/drawing/2014/main" id="{526D695F-EECF-471F-80FD-582CB7791CE0}"/>
+                <a16:creationId xmlns:a16="http://schemas.microsoft.com/office/drawing/2014/main" xmlns="" id="{526D695F-EECF-471F-80FD-582CB7791CE0}"/>
               </a:ext>
             </a:extLst>
           </p:cNvPr>
@@ -1134,7 +1142,7 @@
           <p:cNvPr id="4" name="Espace réservé de la date 3">
             <a:extLst>
               <a:ext uri="{FF2B5EF4-FFF2-40B4-BE49-F238E27FC236}">
-                <a16:creationId xmlns:a16="http://schemas.microsoft.com/office/drawing/2014/main" id="{DC5E63ED-FAB4-42D9-A231-5123850F0030}"/>
+                <a16:creationId xmlns:a16="http://schemas.microsoft.com/office/drawing/2014/main" xmlns="" id="{DC5E63ED-FAB4-42D9-A231-5123850F0030}"/>
               </a:ext>
             </a:extLst>
           </p:cNvPr>
@@ -1152,6 +1160,7 @@
           <a:p>
             <a:fld id="{CDA319C9-3DB7-4075-B18D-A4BA935141D6}" type="datetimeFigureOut">
               <a:rPr lang="fr-FR" smtClean="0"/>
+              <a:pPr/>
               <a:t>26/02/2025</a:t>
             </a:fld>
             <a:endParaRPr lang="fr-FR"/>
@@ -1163,7 +1172,7 @@
           <p:cNvPr id="5" name="Espace réservé du pied de page 4">
             <a:extLst>
               <a:ext uri="{FF2B5EF4-FFF2-40B4-BE49-F238E27FC236}">
-                <a16:creationId xmlns:a16="http://schemas.microsoft.com/office/drawing/2014/main" id="{2E2D8944-0839-42F3-A30E-98558BE42C19}"/>
+                <a16:creationId xmlns:a16="http://schemas.microsoft.com/office/drawing/2014/main" xmlns="" id="{2E2D8944-0839-42F3-A30E-98558BE42C19}"/>
               </a:ext>
             </a:extLst>
           </p:cNvPr>
@@ -1188,7 +1197,7 @@
           <p:cNvPr id="6" name="Espace réservé du numéro de diapositive 5">
             <a:extLst>
               <a:ext uri="{FF2B5EF4-FFF2-40B4-BE49-F238E27FC236}">
-                <a16:creationId xmlns:a16="http://schemas.microsoft.com/office/drawing/2014/main" id="{8A962941-D954-410E-B8CD-F370F293C23E}"/>
+                <a16:creationId xmlns:a16="http://schemas.microsoft.com/office/drawing/2014/main" xmlns="" id="{8A962941-D954-410E-B8CD-F370F293C23E}"/>
               </a:ext>
             </a:extLst>
           </p:cNvPr>
@@ -1206,7 +1215,8 @@
           <a:p>
             <a:fld id="{095FDB89-A7F5-4522-A800-C2F7204D4715}" type="slidenum">
               <a:rPr lang="fr-FR" smtClean="0"/>
-              <a:t>‹N°›</a:t>
+              <a:pPr/>
+              <a:t>‹#›</a:t>
             </a:fld>
             <a:endParaRPr lang="fr-FR"/>
           </a:p>
@@ -1215,7 +1225,7 @@
     </p:spTree>
     <p:extLst>
       <p:ext uri="{BB962C8B-B14F-4D97-AF65-F5344CB8AC3E}">
-        <p14:creationId xmlns:p14="http://schemas.microsoft.com/office/powerpoint/2010/main" val="127337893"/>
+        <p14:creationId xmlns:p14="http://schemas.microsoft.com/office/powerpoint/2010/main" xmlns="" val="127337893"/>
       </p:ext>
     </p:extLst>
   </p:cSld>
@@ -1247,7 +1257,7 @@
           <p:cNvPr id="2" name="Titre 1">
             <a:extLst>
               <a:ext uri="{FF2B5EF4-FFF2-40B4-BE49-F238E27FC236}">
-                <a16:creationId xmlns:a16="http://schemas.microsoft.com/office/drawing/2014/main" id="{67E98DC3-51F1-4C5B-A26E-8F6CDD6B96F7}"/>
+                <a16:creationId xmlns:a16="http://schemas.microsoft.com/office/drawing/2014/main" xmlns="" id="{67E98DC3-51F1-4C5B-A26E-8F6CDD6B96F7}"/>
               </a:ext>
             </a:extLst>
           </p:cNvPr>
@@ -1275,7 +1285,7 @@
           <p:cNvPr id="3" name="Espace réservé du contenu 2">
             <a:extLst>
               <a:ext uri="{FF2B5EF4-FFF2-40B4-BE49-F238E27FC236}">
-                <a16:creationId xmlns:a16="http://schemas.microsoft.com/office/drawing/2014/main" id="{876D5F9B-C0DB-4D21-A997-5051AEF7E1D5}"/>
+                <a16:creationId xmlns:a16="http://schemas.microsoft.com/office/drawing/2014/main" xmlns="" id="{876D5F9B-C0DB-4D21-A997-5051AEF7E1D5}"/>
               </a:ext>
             </a:extLst>
           </p:cNvPr>
@@ -1337,7 +1347,7 @@
           <p:cNvPr id="4" name="Espace réservé du contenu 3">
             <a:extLst>
               <a:ext uri="{FF2B5EF4-FFF2-40B4-BE49-F238E27FC236}">
-                <a16:creationId xmlns:a16="http://schemas.microsoft.com/office/drawing/2014/main" id="{2DD1D684-EA11-4268-BF84-34CDFD103306}"/>
+                <a16:creationId xmlns:a16="http://schemas.microsoft.com/office/drawing/2014/main" xmlns="" id="{2DD1D684-EA11-4268-BF84-34CDFD103306}"/>
               </a:ext>
             </a:extLst>
           </p:cNvPr>
@@ -1399,7 +1409,7 @@
           <p:cNvPr id="5" name="Espace réservé de la date 4">
             <a:extLst>
               <a:ext uri="{FF2B5EF4-FFF2-40B4-BE49-F238E27FC236}">
-                <a16:creationId xmlns:a16="http://schemas.microsoft.com/office/drawing/2014/main" id="{72E27E04-2D67-4179-9E64-A7D0A49CA9F5}"/>
+                <a16:creationId xmlns:a16="http://schemas.microsoft.com/office/drawing/2014/main" xmlns="" id="{72E27E04-2D67-4179-9E64-A7D0A49CA9F5}"/>
               </a:ext>
             </a:extLst>
           </p:cNvPr>
@@ -1417,6 +1427,7 @@
           <a:p>
             <a:fld id="{CDA319C9-3DB7-4075-B18D-A4BA935141D6}" type="datetimeFigureOut">
               <a:rPr lang="fr-FR" smtClean="0"/>
+              <a:pPr/>
               <a:t>26/02/2025</a:t>
             </a:fld>
             <a:endParaRPr lang="fr-FR"/>
@@ -1428,7 +1439,7 @@
           <p:cNvPr id="6" name="Espace réservé du pied de page 5">
             <a:extLst>
               <a:ext uri="{FF2B5EF4-FFF2-40B4-BE49-F238E27FC236}">
-                <a16:creationId xmlns:a16="http://schemas.microsoft.com/office/drawing/2014/main" id="{82CC6932-DC4E-4A10-A2A4-4E04727E10AE}"/>
+                <a16:creationId xmlns:a16="http://schemas.microsoft.com/office/drawing/2014/main" xmlns="" id="{82CC6932-DC4E-4A10-A2A4-4E04727E10AE}"/>
               </a:ext>
             </a:extLst>
           </p:cNvPr>
@@ -1453,7 +1464,7 @@
           <p:cNvPr id="7" name="Espace réservé du numéro de diapositive 6">
             <a:extLst>
               <a:ext uri="{FF2B5EF4-FFF2-40B4-BE49-F238E27FC236}">
-                <a16:creationId xmlns:a16="http://schemas.microsoft.com/office/drawing/2014/main" id="{17EFA43A-BA28-4ADA-A802-1B70A003243C}"/>
+                <a16:creationId xmlns:a16="http://schemas.microsoft.com/office/drawing/2014/main" xmlns="" id="{17EFA43A-BA28-4ADA-A802-1B70A003243C}"/>
               </a:ext>
             </a:extLst>
           </p:cNvPr>
@@ -1471,7 +1482,8 @@
           <a:p>
             <a:fld id="{095FDB89-A7F5-4522-A800-C2F7204D4715}" type="slidenum">
               <a:rPr lang="fr-FR" smtClean="0"/>
-              <a:t>‹N°›</a:t>
+              <a:pPr/>
+              <a:t>‹#›</a:t>
             </a:fld>
             <a:endParaRPr lang="fr-FR"/>
           </a:p>
@@ -1480,7 +1492,7 @@
     </p:spTree>
     <p:extLst>
       <p:ext uri="{BB962C8B-B14F-4D97-AF65-F5344CB8AC3E}">
-        <p14:creationId xmlns:p14="http://schemas.microsoft.com/office/powerpoint/2010/main" val="3958633795"/>
+        <p14:creationId xmlns:p14="http://schemas.microsoft.com/office/powerpoint/2010/main" xmlns="" val="3958633795"/>
       </p:ext>
     </p:extLst>
   </p:cSld>
@@ -1512,7 +1524,7 @@
           <p:cNvPr id="2" name="Titre 1">
             <a:extLst>
               <a:ext uri="{FF2B5EF4-FFF2-40B4-BE49-F238E27FC236}">
-                <a16:creationId xmlns:a16="http://schemas.microsoft.com/office/drawing/2014/main" id="{B75DB27E-6E30-4B47-86FD-965A699D12C7}"/>
+                <a16:creationId xmlns:a16="http://schemas.microsoft.com/office/drawing/2014/main" xmlns="" id="{B75DB27E-6E30-4B47-86FD-965A699D12C7}"/>
               </a:ext>
             </a:extLst>
           </p:cNvPr>
@@ -1545,7 +1557,7 @@
           <p:cNvPr id="3" name="Espace réservé du texte 2">
             <a:extLst>
               <a:ext uri="{FF2B5EF4-FFF2-40B4-BE49-F238E27FC236}">
-                <a16:creationId xmlns:a16="http://schemas.microsoft.com/office/drawing/2014/main" id="{9829A0D9-5859-485D-A75B-70AFCF2116AB}"/>
+                <a16:creationId xmlns:a16="http://schemas.microsoft.com/office/drawing/2014/main" xmlns="" id="{9829A0D9-5859-485D-A75B-70AFCF2116AB}"/>
               </a:ext>
             </a:extLst>
           </p:cNvPr>
@@ -1616,7 +1628,7 @@
           <p:cNvPr id="4" name="Espace réservé du contenu 3">
             <a:extLst>
               <a:ext uri="{FF2B5EF4-FFF2-40B4-BE49-F238E27FC236}">
-                <a16:creationId xmlns:a16="http://schemas.microsoft.com/office/drawing/2014/main" id="{D6D95BDD-36A9-48AB-ADE7-CD3D2250FAE2}"/>
+                <a16:creationId xmlns:a16="http://schemas.microsoft.com/office/drawing/2014/main" xmlns="" id="{D6D95BDD-36A9-48AB-ADE7-CD3D2250FAE2}"/>
               </a:ext>
             </a:extLst>
           </p:cNvPr>
@@ -1678,7 +1690,7 @@
           <p:cNvPr id="5" name="Espace réservé du texte 4">
             <a:extLst>
               <a:ext uri="{FF2B5EF4-FFF2-40B4-BE49-F238E27FC236}">
-                <a16:creationId xmlns:a16="http://schemas.microsoft.com/office/drawing/2014/main" id="{E44FC417-A86B-40B9-987A-751261DFE905}"/>
+                <a16:creationId xmlns:a16="http://schemas.microsoft.com/office/drawing/2014/main" xmlns="" id="{E44FC417-A86B-40B9-987A-751261DFE905}"/>
               </a:ext>
             </a:extLst>
           </p:cNvPr>
@@ -1749,7 +1761,7 @@
           <p:cNvPr id="6" name="Espace réservé du contenu 5">
             <a:extLst>
               <a:ext uri="{FF2B5EF4-FFF2-40B4-BE49-F238E27FC236}">
-                <a16:creationId xmlns:a16="http://schemas.microsoft.com/office/drawing/2014/main" id="{DD518500-2EF0-4A91-890D-5DCD4E03D701}"/>
+                <a16:creationId xmlns:a16="http://schemas.microsoft.com/office/drawing/2014/main" xmlns="" id="{DD518500-2EF0-4A91-890D-5DCD4E03D701}"/>
               </a:ext>
             </a:extLst>
           </p:cNvPr>
@@ -1811,7 +1823,7 @@
           <p:cNvPr id="7" name="Espace réservé de la date 6">
             <a:extLst>
               <a:ext uri="{FF2B5EF4-FFF2-40B4-BE49-F238E27FC236}">
-                <a16:creationId xmlns:a16="http://schemas.microsoft.com/office/drawing/2014/main" id="{8ABD74F9-02B5-4471-A086-E73F8117498F}"/>
+                <a16:creationId xmlns:a16="http://schemas.microsoft.com/office/drawing/2014/main" xmlns="" id="{8ABD74F9-02B5-4471-A086-E73F8117498F}"/>
               </a:ext>
             </a:extLst>
           </p:cNvPr>
@@ -1829,6 +1841,7 @@
           <a:p>
             <a:fld id="{CDA319C9-3DB7-4075-B18D-A4BA935141D6}" type="datetimeFigureOut">
               <a:rPr lang="fr-FR" smtClean="0"/>
+              <a:pPr/>
               <a:t>26/02/2025</a:t>
             </a:fld>
             <a:endParaRPr lang="fr-FR"/>
@@ -1840,7 +1853,7 @@
           <p:cNvPr id="8" name="Espace réservé du pied de page 7">
             <a:extLst>
               <a:ext uri="{FF2B5EF4-FFF2-40B4-BE49-F238E27FC236}">
-                <a16:creationId xmlns:a16="http://schemas.microsoft.com/office/drawing/2014/main" id="{BB926CFC-6304-4FE2-9C9F-9EB803EC19A6}"/>
+                <a16:creationId xmlns:a16="http://schemas.microsoft.com/office/drawing/2014/main" xmlns="" id="{BB926CFC-6304-4FE2-9C9F-9EB803EC19A6}"/>
               </a:ext>
             </a:extLst>
           </p:cNvPr>
@@ -1865,7 +1878,7 @@
           <p:cNvPr id="9" name="Espace réservé du numéro de diapositive 8">
             <a:extLst>
               <a:ext uri="{FF2B5EF4-FFF2-40B4-BE49-F238E27FC236}">
-                <a16:creationId xmlns:a16="http://schemas.microsoft.com/office/drawing/2014/main" id="{3D8EBE27-8EF3-4C89-8143-CB8395154CE9}"/>
+                <a16:creationId xmlns:a16="http://schemas.microsoft.com/office/drawing/2014/main" xmlns="" id="{3D8EBE27-8EF3-4C89-8143-CB8395154CE9}"/>
               </a:ext>
             </a:extLst>
           </p:cNvPr>
@@ -1883,7 +1896,8 @@
           <a:p>
             <a:fld id="{095FDB89-A7F5-4522-A800-C2F7204D4715}" type="slidenum">
               <a:rPr lang="fr-FR" smtClean="0"/>
-              <a:t>‹N°›</a:t>
+              <a:pPr/>
+              <a:t>‹#›</a:t>
             </a:fld>
             <a:endParaRPr lang="fr-FR"/>
           </a:p>
@@ -1892,7 +1906,7 @@
     </p:spTree>
     <p:extLst>
       <p:ext uri="{BB962C8B-B14F-4D97-AF65-F5344CB8AC3E}">
-        <p14:creationId xmlns:p14="http://schemas.microsoft.com/office/powerpoint/2010/main" val="795947500"/>
+        <p14:creationId xmlns:p14="http://schemas.microsoft.com/office/powerpoint/2010/main" xmlns="" val="795947500"/>
       </p:ext>
     </p:extLst>
   </p:cSld>
@@ -1924,7 +1938,7 @@
           <p:cNvPr id="2" name="Titre 1">
             <a:extLst>
               <a:ext uri="{FF2B5EF4-FFF2-40B4-BE49-F238E27FC236}">
-                <a16:creationId xmlns:a16="http://schemas.microsoft.com/office/drawing/2014/main" id="{E08D2BFA-96B2-419B-BF20-FDD86E25B68D}"/>
+                <a16:creationId xmlns:a16="http://schemas.microsoft.com/office/drawing/2014/main" xmlns="" id="{E08D2BFA-96B2-419B-BF20-FDD86E25B68D}"/>
               </a:ext>
             </a:extLst>
           </p:cNvPr>
@@ -1952,7 +1966,7 @@
           <p:cNvPr id="3" name="Espace réservé de la date 2">
             <a:extLst>
               <a:ext uri="{FF2B5EF4-FFF2-40B4-BE49-F238E27FC236}">
-                <a16:creationId xmlns:a16="http://schemas.microsoft.com/office/drawing/2014/main" id="{408D6C08-5202-43F1-9F40-0A6043F0E5C2}"/>
+                <a16:creationId xmlns:a16="http://schemas.microsoft.com/office/drawing/2014/main" xmlns="" id="{408D6C08-5202-43F1-9F40-0A6043F0E5C2}"/>
               </a:ext>
             </a:extLst>
           </p:cNvPr>
@@ -1970,6 +1984,7 @@
           <a:p>
             <a:fld id="{CDA319C9-3DB7-4075-B18D-A4BA935141D6}" type="datetimeFigureOut">
               <a:rPr lang="fr-FR" smtClean="0"/>
+              <a:pPr/>
               <a:t>26/02/2025</a:t>
             </a:fld>
             <a:endParaRPr lang="fr-FR"/>
@@ -1981,7 +1996,7 @@
           <p:cNvPr id="4" name="Espace réservé du pied de page 3">
             <a:extLst>
               <a:ext uri="{FF2B5EF4-FFF2-40B4-BE49-F238E27FC236}">
-                <a16:creationId xmlns:a16="http://schemas.microsoft.com/office/drawing/2014/main" id="{C02D89C7-CE4D-4A38-BC33-FB585298283C}"/>
+                <a16:creationId xmlns:a16="http://schemas.microsoft.com/office/drawing/2014/main" xmlns="" id="{C02D89C7-CE4D-4A38-BC33-FB585298283C}"/>
               </a:ext>
             </a:extLst>
           </p:cNvPr>
@@ -2006,7 +2021,7 @@
           <p:cNvPr id="5" name="Espace réservé du numéro de diapositive 4">
             <a:extLst>
               <a:ext uri="{FF2B5EF4-FFF2-40B4-BE49-F238E27FC236}">
-                <a16:creationId xmlns:a16="http://schemas.microsoft.com/office/drawing/2014/main" id="{932DFC25-3879-4DEB-89AD-21EB6B9F6E6F}"/>
+                <a16:creationId xmlns:a16="http://schemas.microsoft.com/office/drawing/2014/main" xmlns="" id="{932DFC25-3879-4DEB-89AD-21EB6B9F6E6F}"/>
               </a:ext>
             </a:extLst>
           </p:cNvPr>
@@ -2024,7 +2039,8 @@
           <a:p>
             <a:fld id="{095FDB89-A7F5-4522-A800-C2F7204D4715}" type="slidenum">
               <a:rPr lang="fr-FR" smtClean="0"/>
-              <a:t>‹N°›</a:t>
+              <a:pPr/>
+              <a:t>‹#›</a:t>
             </a:fld>
             <a:endParaRPr lang="fr-FR"/>
           </a:p>
@@ -2033,7 +2049,7 @@
     </p:spTree>
     <p:extLst>
       <p:ext uri="{BB962C8B-B14F-4D97-AF65-F5344CB8AC3E}">
-        <p14:creationId xmlns:p14="http://schemas.microsoft.com/office/powerpoint/2010/main" val="2374818379"/>
+        <p14:creationId xmlns:p14="http://schemas.microsoft.com/office/powerpoint/2010/main" xmlns="" val="2374818379"/>
       </p:ext>
     </p:extLst>
   </p:cSld>
@@ -2065,7 +2081,7 @@
           <p:cNvPr id="2" name="Espace réservé de la date 1">
             <a:extLst>
               <a:ext uri="{FF2B5EF4-FFF2-40B4-BE49-F238E27FC236}">
-                <a16:creationId xmlns:a16="http://schemas.microsoft.com/office/drawing/2014/main" id="{D650E912-F870-48FC-B9D4-09FD04AFC5A4}"/>
+                <a16:creationId xmlns:a16="http://schemas.microsoft.com/office/drawing/2014/main" xmlns="" id="{D650E912-F870-48FC-B9D4-09FD04AFC5A4}"/>
               </a:ext>
             </a:extLst>
           </p:cNvPr>
@@ -2083,6 +2099,7 @@
           <a:p>
             <a:fld id="{CDA319C9-3DB7-4075-B18D-A4BA935141D6}" type="datetimeFigureOut">
               <a:rPr lang="fr-FR" smtClean="0"/>
+              <a:pPr/>
               <a:t>26/02/2025</a:t>
             </a:fld>
             <a:endParaRPr lang="fr-FR"/>
@@ -2094,7 +2111,7 @@
           <p:cNvPr id="3" name="Espace réservé du pied de page 2">
             <a:extLst>
               <a:ext uri="{FF2B5EF4-FFF2-40B4-BE49-F238E27FC236}">
-                <a16:creationId xmlns:a16="http://schemas.microsoft.com/office/drawing/2014/main" id="{98A13CD5-C6BD-474B-A5C3-6D7084098128}"/>
+                <a16:creationId xmlns:a16="http://schemas.microsoft.com/office/drawing/2014/main" xmlns="" id="{98A13CD5-C6BD-474B-A5C3-6D7084098128}"/>
               </a:ext>
             </a:extLst>
           </p:cNvPr>
@@ -2119,7 +2136,7 @@
           <p:cNvPr id="4" name="Espace réservé du numéro de diapositive 3">
             <a:extLst>
               <a:ext uri="{FF2B5EF4-FFF2-40B4-BE49-F238E27FC236}">
-                <a16:creationId xmlns:a16="http://schemas.microsoft.com/office/drawing/2014/main" id="{8D540562-B280-4AD2-895A-B2CCC4F6AA62}"/>
+                <a16:creationId xmlns:a16="http://schemas.microsoft.com/office/drawing/2014/main" xmlns="" id="{8D540562-B280-4AD2-895A-B2CCC4F6AA62}"/>
               </a:ext>
             </a:extLst>
           </p:cNvPr>
@@ -2137,7 +2154,8 @@
           <a:p>
             <a:fld id="{095FDB89-A7F5-4522-A800-C2F7204D4715}" type="slidenum">
               <a:rPr lang="fr-FR" smtClean="0"/>
-              <a:t>‹N°›</a:t>
+              <a:pPr/>
+              <a:t>‹#›</a:t>
             </a:fld>
             <a:endParaRPr lang="fr-FR"/>
           </a:p>
@@ -2146,7 +2164,7 @@
     </p:spTree>
     <p:extLst>
       <p:ext uri="{BB962C8B-B14F-4D97-AF65-F5344CB8AC3E}">
-        <p14:creationId xmlns:p14="http://schemas.microsoft.com/office/powerpoint/2010/main" val="1588308449"/>
+        <p14:creationId xmlns:p14="http://schemas.microsoft.com/office/powerpoint/2010/main" xmlns="" val="1588308449"/>
       </p:ext>
     </p:extLst>
   </p:cSld>
@@ -2178,7 +2196,7 @@
           <p:cNvPr id="2" name="Titre 1">
             <a:extLst>
               <a:ext uri="{FF2B5EF4-FFF2-40B4-BE49-F238E27FC236}">
-                <a16:creationId xmlns:a16="http://schemas.microsoft.com/office/drawing/2014/main" id="{688FF2A6-0434-456A-9874-6857A3AD913B}"/>
+                <a16:creationId xmlns:a16="http://schemas.microsoft.com/office/drawing/2014/main" xmlns="" id="{688FF2A6-0434-456A-9874-6857A3AD913B}"/>
               </a:ext>
             </a:extLst>
           </p:cNvPr>
@@ -2215,7 +2233,7 @@
           <p:cNvPr id="3" name="Espace réservé du contenu 2">
             <a:extLst>
               <a:ext uri="{FF2B5EF4-FFF2-40B4-BE49-F238E27FC236}">
-                <a16:creationId xmlns:a16="http://schemas.microsoft.com/office/drawing/2014/main" id="{AC38EABF-507E-4F19-A700-2DC8171C672F}"/>
+                <a16:creationId xmlns:a16="http://schemas.microsoft.com/office/drawing/2014/main" xmlns="" id="{AC38EABF-507E-4F19-A700-2DC8171C672F}"/>
               </a:ext>
             </a:extLst>
           </p:cNvPr>
@@ -2305,7 +2323,7 @@
           <p:cNvPr id="4" name="Espace réservé du texte 3">
             <a:extLst>
               <a:ext uri="{FF2B5EF4-FFF2-40B4-BE49-F238E27FC236}">
-                <a16:creationId xmlns:a16="http://schemas.microsoft.com/office/drawing/2014/main" id="{2C19A431-D4BE-4F93-B238-3FD08AED0663}"/>
+                <a16:creationId xmlns:a16="http://schemas.microsoft.com/office/drawing/2014/main" xmlns="" id="{2C19A431-D4BE-4F93-B238-3FD08AED0663}"/>
               </a:ext>
             </a:extLst>
           </p:cNvPr>
@@ -2376,7 +2394,7 @@
           <p:cNvPr id="5" name="Espace réservé de la date 4">
             <a:extLst>
               <a:ext uri="{FF2B5EF4-FFF2-40B4-BE49-F238E27FC236}">
-                <a16:creationId xmlns:a16="http://schemas.microsoft.com/office/drawing/2014/main" id="{FCDD8DEE-73C8-45EC-A9B2-6A72520DB84D}"/>
+                <a16:creationId xmlns:a16="http://schemas.microsoft.com/office/drawing/2014/main" xmlns="" id="{FCDD8DEE-73C8-45EC-A9B2-6A72520DB84D}"/>
               </a:ext>
             </a:extLst>
           </p:cNvPr>
@@ -2394,6 +2412,7 @@
           <a:p>
             <a:fld id="{CDA319C9-3DB7-4075-B18D-A4BA935141D6}" type="datetimeFigureOut">
               <a:rPr lang="fr-FR" smtClean="0"/>
+              <a:pPr/>
               <a:t>26/02/2025</a:t>
             </a:fld>
             <a:endParaRPr lang="fr-FR"/>
@@ -2405,7 +2424,7 @@
           <p:cNvPr id="6" name="Espace réservé du pied de page 5">
             <a:extLst>
               <a:ext uri="{FF2B5EF4-FFF2-40B4-BE49-F238E27FC236}">
-                <a16:creationId xmlns:a16="http://schemas.microsoft.com/office/drawing/2014/main" id="{C10B4E1E-8D1F-4713-8781-E7628D8D032D}"/>
+                <a16:creationId xmlns:a16="http://schemas.microsoft.com/office/drawing/2014/main" xmlns="" id="{C10B4E1E-8D1F-4713-8781-E7628D8D032D}"/>
               </a:ext>
             </a:extLst>
           </p:cNvPr>
@@ -2430,7 +2449,7 @@
           <p:cNvPr id="7" name="Espace réservé du numéro de diapositive 6">
             <a:extLst>
               <a:ext uri="{FF2B5EF4-FFF2-40B4-BE49-F238E27FC236}">
-                <a16:creationId xmlns:a16="http://schemas.microsoft.com/office/drawing/2014/main" id="{04E1A031-F1CD-4893-9AC9-48B5BFBE1CEB}"/>
+                <a16:creationId xmlns:a16="http://schemas.microsoft.com/office/drawing/2014/main" xmlns="" id="{04E1A031-F1CD-4893-9AC9-48B5BFBE1CEB}"/>
               </a:ext>
             </a:extLst>
           </p:cNvPr>
@@ -2448,7 +2467,8 @@
           <a:p>
             <a:fld id="{095FDB89-A7F5-4522-A800-C2F7204D4715}" type="slidenum">
               <a:rPr lang="fr-FR" smtClean="0"/>
-              <a:t>‹N°›</a:t>
+              <a:pPr/>
+              <a:t>‹#›</a:t>
             </a:fld>
             <a:endParaRPr lang="fr-FR"/>
           </a:p>
@@ -2457,7 +2477,7 @@
     </p:spTree>
     <p:extLst>
       <p:ext uri="{BB962C8B-B14F-4D97-AF65-F5344CB8AC3E}">
-        <p14:creationId xmlns:p14="http://schemas.microsoft.com/office/powerpoint/2010/main" val="3324026832"/>
+        <p14:creationId xmlns:p14="http://schemas.microsoft.com/office/powerpoint/2010/main" xmlns="" val="3324026832"/>
       </p:ext>
     </p:extLst>
   </p:cSld>
@@ -2489,7 +2509,7 @@
           <p:cNvPr id="2" name="Titre 1">
             <a:extLst>
               <a:ext uri="{FF2B5EF4-FFF2-40B4-BE49-F238E27FC236}">
-                <a16:creationId xmlns:a16="http://schemas.microsoft.com/office/drawing/2014/main" id="{AE2F4C8C-3A82-479A-BB11-281856B167DA}"/>
+                <a16:creationId xmlns:a16="http://schemas.microsoft.com/office/drawing/2014/main" xmlns="" id="{AE2F4C8C-3A82-479A-BB11-281856B167DA}"/>
               </a:ext>
             </a:extLst>
           </p:cNvPr>
@@ -2526,7 +2546,7 @@
           <p:cNvPr id="3" name="Espace réservé pour une image  2">
             <a:extLst>
               <a:ext uri="{FF2B5EF4-FFF2-40B4-BE49-F238E27FC236}">
-                <a16:creationId xmlns:a16="http://schemas.microsoft.com/office/drawing/2014/main" id="{988A0920-3206-4EA3-A4DF-8EA0C7EA8466}"/>
+                <a16:creationId xmlns:a16="http://schemas.microsoft.com/office/drawing/2014/main" xmlns="" id="{988A0920-3206-4EA3-A4DF-8EA0C7EA8466}"/>
               </a:ext>
             </a:extLst>
           </p:cNvPr>
@@ -2593,7 +2613,7 @@
           <p:cNvPr id="4" name="Espace réservé du texte 3">
             <a:extLst>
               <a:ext uri="{FF2B5EF4-FFF2-40B4-BE49-F238E27FC236}">
-                <a16:creationId xmlns:a16="http://schemas.microsoft.com/office/drawing/2014/main" id="{BD4862D1-6AA4-4D56-858F-BA6BEB4C5129}"/>
+                <a16:creationId xmlns:a16="http://schemas.microsoft.com/office/drawing/2014/main" xmlns="" id="{BD4862D1-6AA4-4D56-858F-BA6BEB4C5129}"/>
               </a:ext>
             </a:extLst>
           </p:cNvPr>
@@ -2664,7 +2684,7 @@
           <p:cNvPr id="5" name="Espace réservé de la date 4">
             <a:extLst>
               <a:ext uri="{FF2B5EF4-FFF2-40B4-BE49-F238E27FC236}">
-                <a16:creationId xmlns:a16="http://schemas.microsoft.com/office/drawing/2014/main" id="{78D775A0-F4AA-4C0C-AB6F-09C1C296AC2E}"/>
+                <a16:creationId xmlns:a16="http://schemas.microsoft.com/office/drawing/2014/main" xmlns="" id="{78D775A0-F4AA-4C0C-AB6F-09C1C296AC2E}"/>
               </a:ext>
             </a:extLst>
           </p:cNvPr>
@@ -2682,6 +2702,7 @@
           <a:p>
             <a:fld id="{CDA319C9-3DB7-4075-B18D-A4BA935141D6}" type="datetimeFigureOut">
               <a:rPr lang="fr-FR" smtClean="0"/>
+              <a:pPr/>
               <a:t>26/02/2025</a:t>
             </a:fld>
             <a:endParaRPr lang="fr-FR"/>
@@ -2693,7 +2714,7 @@
           <p:cNvPr id="6" name="Espace réservé du pied de page 5">
             <a:extLst>
               <a:ext uri="{FF2B5EF4-FFF2-40B4-BE49-F238E27FC236}">
-                <a16:creationId xmlns:a16="http://schemas.microsoft.com/office/drawing/2014/main" id="{B30F8D4E-F54E-411C-86DA-001E833BD701}"/>
+                <a16:creationId xmlns:a16="http://schemas.microsoft.com/office/drawing/2014/main" xmlns="" id="{B30F8D4E-F54E-411C-86DA-001E833BD701}"/>
               </a:ext>
             </a:extLst>
           </p:cNvPr>
@@ -2718,7 +2739,7 @@
           <p:cNvPr id="7" name="Espace réservé du numéro de diapositive 6">
             <a:extLst>
               <a:ext uri="{FF2B5EF4-FFF2-40B4-BE49-F238E27FC236}">
-                <a16:creationId xmlns:a16="http://schemas.microsoft.com/office/drawing/2014/main" id="{71C79DE5-BF6A-4DE9-846E-B26E7A607EC1}"/>
+                <a16:creationId xmlns:a16="http://schemas.microsoft.com/office/drawing/2014/main" xmlns="" id="{71C79DE5-BF6A-4DE9-846E-B26E7A607EC1}"/>
               </a:ext>
             </a:extLst>
           </p:cNvPr>
@@ -2736,7 +2757,8 @@
           <a:p>
             <a:fld id="{095FDB89-A7F5-4522-A800-C2F7204D4715}" type="slidenum">
               <a:rPr lang="fr-FR" smtClean="0"/>
-              <a:t>‹N°›</a:t>
+              <a:pPr/>
+              <a:t>‹#›</a:t>
             </a:fld>
             <a:endParaRPr lang="fr-FR"/>
           </a:p>
@@ -2745,7 +2767,7 @@
     </p:spTree>
     <p:extLst>
       <p:ext uri="{BB962C8B-B14F-4D97-AF65-F5344CB8AC3E}">
-        <p14:creationId xmlns:p14="http://schemas.microsoft.com/office/powerpoint/2010/main" val="3841054472"/>
+        <p14:creationId xmlns:p14="http://schemas.microsoft.com/office/powerpoint/2010/main" xmlns="" val="3841054472"/>
       </p:ext>
     </p:extLst>
   </p:cSld>
@@ -2782,7 +2804,7 @@
           <p:cNvPr id="2" name="Espace réservé du titre 1">
             <a:extLst>
               <a:ext uri="{FF2B5EF4-FFF2-40B4-BE49-F238E27FC236}">
-                <a16:creationId xmlns:a16="http://schemas.microsoft.com/office/drawing/2014/main" id="{5266F528-FE41-4400-A246-98110CFCAA01}"/>
+                <a16:creationId xmlns:a16="http://schemas.microsoft.com/office/drawing/2014/main" xmlns="" id="{5266F528-FE41-4400-A246-98110CFCAA01}"/>
               </a:ext>
             </a:extLst>
           </p:cNvPr>
@@ -2820,7 +2842,7 @@
           <p:cNvPr id="3" name="Espace réservé du texte 2">
             <a:extLst>
               <a:ext uri="{FF2B5EF4-FFF2-40B4-BE49-F238E27FC236}">
-                <a16:creationId xmlns:a16="http://schemas.microsoft.com/office/drawing/2014/main" id="{10EF89A9-5E04-42FF-BA53-1C496CC58704}"/>
+                <a16:creationId xmlns:a16="http://schemas.microsoft.com/office/drawing/2014/main" xmlns="" id="{10EF89A9-5E04-42FF-BA53-1C496CC58704}"/>
               </a:ext>
             </a:extLst>
           </p:cNvPr>
@@ -2887,7 +2909,7 @@
           <p:cNvPr id="4" name="Espace réservé de la date 3">
             <a:extLst>
               <a:ext uri="{FF2B5EF4-FFF2-40B4-BE49-F238E27FC236}">
-                <a16:creationId xmlns:a16="http://schemas.microsoft.com/office/drawing/2014/main" id="{0896146D-93E7-45AB-98E2-78D0C72F0B17}"/>
+                <a16:creationId xmlns:a16="http://schemas.microsoft.com/office/drawing/2014/main" xmlns="" id="{0896146D-93E7-45AB-98E2-78D0C72F0B17}"/>
               </a:ext>
             </a:extLst>
           </p:cNvPr>
@@ -2923,6 +2945,7 @@
           <a:p>
             <a:fld id="{CDA319C9-3DB7-4075-B18D-A4BA935141D6}" type="datetimeFigureOut">
               <a:rPr lang="fr-FR" smtClean="0"/>
+              <a:pPr/>
               <a:t>26/02/2025</a:t>
             </a:fld>
             <a:endParaRPr lang="fr-FR"/>
@@ -2934,7 +2957,7 @@
           <p:cNvPr id="5" name="Espace réservé du pied de page 4">
             <a:extLst>
               <a:ext uri="{FF2B5EF4-FFF2-40B4-BE49-F238E27FC236}">
-                <a16:creationId xmlns:a16="http://schemas.microsoft.com/office/drawing/2014/main" id="{05BC9CEF-A10C-4C77-A3B8-F0DD04A8213F}"/>
+                <a16:creationId xmlns:a16="http://schemas.microsoft.com/office/drawing/2014/main" xmlns="" id="{05BC9CEF-A10C-4C77-A3B8-F0DD04A8213F}"/>
               </a:ext>
             </a:extLst>
           </p:cNvPr>
@@ -2977,7 +3000,7 @@
           <p:cNvPr id="6" name="Espace réservé du numéro de diapositive 5">
             <a:extLst>
               <a:ext uri="{FF2B5EF4-FFF2-40B4-BE49-F238E27FC236}">
-                <a16:creationId xmlns:a16="http://schemas.microsoft.com/office/drawing/2014/main" id="{1D2090E2-20D3-4384-B697-FDD0837B1044}"/>
+                <a16:creationId xmlns:a16="http://schemas.microsoft.com/office/drawing/2014/main" xmlns="" id="{1D2090E2-20D3-4384-B697-FDD0837B1044}"/>
               </a:ext>
             </a:extLst>
           </p:cNvPr>
@@ -3013,7 +3036,8 @@
           <a:p>
             <a:fld id="{095FDB89-A7F5-4522-A800-C2F7204D4715}" type="slidenum">
               <a:rPr lang="fr-FR" smtClean="0"/>
-              <a:t>‹N°›</a:t>
+              <a:pPr/>
+              <a:t>‹#›</a:t>
             </a:fld>
             <a:endParaRPr lang="fr-FR"/>
           </a:p>
@@ -3022,7 +3046,7 @@
     </p:spTree>
     <p:extLst>
       <p:ext uri="{BB962C8B-B14F-4D97-AF65-F5344CB8AC3E}">
-        <p14:creationId xmlns:p14="http://schemas.microsoft.com/office/powerpoint/2010/main" val="3387399971"/>
+        <p14:creationId xmlns:p14="http://schemas.microsoft.com/office/powerpoint/2010/main" xmlns="" val="3387399971"/>
       </p:ext>
     </p:extLst>
   </p:cSld>
@@ -3345,7 +3369,7 @@
           <p:cNvPr id="4" name="Image 3">
             <a:extLst>
               <a:ext uri="{FF2B5EF4-FFF2-40B4-BE49-F238E27FC236}">
-                <a16:creationId xmlns:a16="http://schemas.microsoft.com/office/drawing/2014/main" id="{43764621-4BE6-4A12-B5B0-9F9B8C09E021}"/>
+                <a16:creationId xmlns:a16="http://schemas.microsoft.com/office/drawing/2014/main" xmlns="" id="{43764621-4BE6-4A12-B5B0-9F9B8C09E021}"/>
               </a:ext>
             </a:extLst>
           </p:cNvPr>
@@ -3358,7 +3382,7 @@
           <a:blip r:embed="rId2">
             <a:extLst>
               <a:ext uri="{28A0092B-C50C-407E-A947-70E740481C1C}">
-                <a14:useLocalDpi xmlns:a14="http://schemas.microsoft.com/office/drawing/2010/main" val="0"/>
+                <a14:useLocalDpi xmlns:a14="http://schemas.microsoft.com/office/drawing/2010/main" xmlns="" val="0"/>
               </a:ext>
             </a:extLst>
           </a:blip>
@@ -3379,7 +3403,7 @@
     </p:spTree>
     <p:extLst>
       <p:ext uri="{BB962C8B-B14F-4D97-AF65-F5344CB8AC3E}">
-        <p14:creationId xmlns:p14="http://schemas.microsoft.com/office/powerpoint/2010/main" val="3284854724"/>
+        <p14:creationId xmlns:p14="http://schemas.microsoft.com/office/powerpoint/2010/main" xmlns="" val="3284854724"/>
       </p:ext>
     </p:extLst>
   </p:cSld>
@@ -3411,7 +3435,7 @@
           <p:cNvPr id="4" name="Image 3">
             <a:extLst>
               <a:ext uri="{FF2B5EF4-FFF2-40B4-BE49-F238E27FC236}">
-                <a16:creationId xmlns:a16="http://schemas.microsoft.com/office/drawing/2014/main" id="{58EEE751-C2A7-4140-BA1C-EA62D70CC263}"/>
+                <a16:creationId xmlns:a16="http://schemas.microsoft.com/office/drawing/2014/main" xmlns="" id="{58EEE751-C2A7-4140-BA1C-EA62D70CC263}"/>
               </a:ext>
             </a:extLst>
           </p:cNvPr>
@@ -3440,7 +3464,7 @@
           <p:cNvPr id="5" name="Image 4">
             <a:extLst>
               <a:ext uri="{FF2B5EF4-FFF2-40B4-BE49-F238E27FC236}">
-                <a16:creationId xmlns:a16="http://schemas.microsoft.com/office/drawing/2014/main" id="{DF0B65F2-8773-47AF-8354-075ABC11F312}"/>
+                <a16:creationId xmlns:a16="http://schemas.microsoft.com/office/drawing/2014/main" xmlns="" id="{DF0B65F2-8773-47AF-8354-075ABC11F312}"/>
               </a:ext>
             </a:extLst>
           </p:cNvPr>
@@ -3469,7 +3493,7 @@
           <p:cNvPr id="6" name="Image 5">
             <a:extLst>
               <a:ext uri="{FF2B5EF4-FFF2-40B4-BE49-F238E27FC236}">
-                <a16:creationId xmlns:a16="http://schemas.microsoft.com/office/drawing/2014/main" id="{01C0A5C7-B199-43E0-9487-6FE4A82C65AF}"/>
+                <a16:creationId xmlns:a16="http://schemas.microsoft.com/office/drawing/2014/main" xmlns="" id="{01C0A5C7-B199-43E0-9487-6FE4A82C65AF}"/>
               </a:ext>
             </a:extLst>
           </p:cNvPr>
@@ -3498,7 +3522,7 @@
           <p:cNvPr id="7" name="ZoneTexte 6">
             <a:extLst>
               <a:ext uri="{FF2B5EF4-FFF2-40B4-BE49-F238E27FC236}">
-                <a16:creationId xmlns:a16="http://schemas.microsoft.com/office/drawing/2014/main" id="{9D0A3A89-C4F6-4D98-B513-83A1EB33FC5C}"/>
+                <a16:creationId xmlns:a16="http://schemas.microsoft.com/office/drawing/2014/main" xmlns="" id="{9D0A3A89-C4F6-4D98-B513-83A1EB33FC5C}"/>
               </a:ext>
             </a:extLst>
           </p:cNvPr>
@@ -3535,7 +3559,7 @@
           <p:cNvPr id="8" name="ZoneTexte 7">
             <a:extLst>
               <a:ext uri="{FF2B5EF4-FFF2-40B4-BE49-F238E27FC236}">
-                <a16:creationId xmlns:a16="http://schemas.microsoft.com/office/drawing/2014/main" id="{497C71CC-F543-4D49-B384-2BB63CC3C8CD}"/>
+                <a16:creationId xmlns:a16="http://schemas.microsoft.com/office/drawing/2014/main" xmlns="" id="{497C71CC-F543-4D49-B384-2BB63CC3C8CD}"/>
               </a:ext>
             </a:extLst>
           </p:cNvPr>
@@ -3576,7 +3600,7 @@
           <p:cNvPr id="9" name="Rectangle 8">
             <a:extLst>
               <a:ext uri="{FF2B5EF4-FFF2-40B4-BE49-F238E27FC236}">
-                <a16:creationId xmlns:a16="http://schemas.microsoft.com/office/drawing/2014/main" id="{DF3D1DFC-7B6A-4424-9EBD-B42E14292B7F}"/>
+                <a16:creationId xmlns:a16="http://schemas.microsoft.com/office/drawing/2014/main" xmlns="" id="{DF3D1DFC-7B6A-4424-9EBD-B42E14292B7F}"/>
               </a:ext>
             </a:extLst>
           </p:cNvPr>
@@ -3612,7 +3636,7 @@
     </p:spTree>
     <p:extLst>
       <p:ext uri="{BB962C8B-B14F-4D97-AF65-F5344CB8AC3E}">
-        <p14:creationId xmlns:p14="http://schemas.microsoft.com/office/powerpoint/2010/main" val="3386690469"/>
+        <p14:creationId xmlns:p14="http://schemas.microsoft.com/office/powerpoint/2010/main" xmlns="" val="3386690469"/>
       </p:ext>
     </p:extLst>
   </p:cSld>
@@ -3644,7 +3668,7 @@
           <p:cNvPr id="9" name="Rectangle 8">
             <a:extLst>
               <a:ext uri="{FF2B5EF4-FFF2-40B4-BE49-F238E27FC236}">
-                <a16:creationId xmlns:a16="http://schemas.microsoft.com/office/drawing/2014/main" id="{DF3D1DFC-7B6A-4424-9EBD-B42E14292B7F}"/>
+                <a16:creationId xmlns:a16="http://schemas.microsoft.com/office/drawing/2014/main" xmlns="" id="{DF3D1DFC-7B6A-4424-9EBD-B42E14292B7F}"/>
               </a:ext>
             </a:extLst>
           </p:cNvPr>
@@ -3682,7 +3706,7 @@
           <p:cNvPr id="2" name="Image 1">
             <a:extLst>
               <a:ext uri="{FF2B5EF4-FFF2-40B4-BE49-F238E27FC236}">
-                <a16:creationId xmlns:a16="http://schemas.microsoft.com/office/drawing/2014/main" id="{F8336FD5-82E3-4895-838C-6F07FCFE57A4}"/>
+                <a16:creationId xmlns:a16="http://schemas.microsoft.com/office/drawing/2014/main" xmlns="" id="{F8336FD5-82E3-4895-838C-6F07FCFE57A4}"/>
               </a:ext>
             </a:extLst>
           </p:cNvPr>
@@ -3711,7 +3735,7 @@
           <p:cNvPr id="12" name="Image 11">
             <a:extLst>
               <a:ext uri="{FF2B5EF4-FFF2-40B4-BE49-F238E27FC236}">
-                <a16:creationId xmlns:a16="http://schemas.microsoft.com/office/drawing/2014/main" id="{10E0DFCF-434D-4728-8223-05A53290AA86}"/>
+                <a16:creationId xmlns:a16="http://schemas.microsoft.com/office/drawing/2014/main" xmlns="" id="{10E0DFCF-434D-4728-8223-05A53290AA86}"/>
               </a:ext>
             </a:extLst>
           </p:cNvPr>
@@ -3741,7 +3765,7 @@
           <p:cNvPr id="14" name="Connecteur droit avec flèche 13">
             <a:extLst>
               <a:ext uri="{FF2B5EF4-FFF2-40B4-BE49-F238E27FC236}">
-                <a16:creationId xmlns:a16="http://schemas.microsoft.com/office/drawing/2014/main" id="{8546A74D-0FA8-4365-B63E-49014A2D7A0D}"/>
+                <a16:creationId xmlns:a16="http://schemas.microsoft.com/office/drawing/2014/main" xmlns="" id="{8546A74D-0FA8-4365-B63E-49014A2D7A0D}"/>
               </a:ext>
             </a:extLst>
           </p:cNvPr>
@@ -3783,7 +3807,7 @@
     </p:spTree>
     <p:extLst>
       <p:ext uri="{BB962C8B-B14F-4D97-AF65-F5344CB8AC3E}">
-        <p14:creationId xmlns:p14="http://schemas.microsoft.com/office/powerpoint/2010/main" val="1009645654"/>
+        <p14:creationId xmlns:p14="http://schemas.microsoft.com/office/powerpoint/2010/main" xmlns="" val="1009645654"/>
       </p:ext>
     </p:extLst>
   </p:cSld>
@@ -3815,7 +3839,7 @@
           <p:cNvPr id="9" name="Rectangle 8">
             <a:extLst>
               <a:ext uri="{FF2B5EF4-FFF2-40B4-BE49-F238E27FC236}">
-                <a16:creationId xmlns:a16="http://schemas.microsoft.com/office/drawing/2014/main" id="{DF3D1DFC-7B6A-4424-9EBD-B42E14292B7F}"/>
+                <a16:creationId xmlns:a16="http://schemas.microsoft.com/office/drawing/2014/main" xmlns="" id="{DF3D1DFC-7B6A-4424-9EBD-B42E14292B7F}"/>
               </a:ext>
             </a:extLst>
           </p:cNvPr>
@@ -3853,7 +3877,7 @@
           <p:cNvPr id="3" name="Image 2">
             <a:extLst>
               <a:ext uri="{FF2B5EF4-FFF2-40B4-BE49-F238E27FC236}">
-                <a16:creationId xmlns:a16="http://schemas.microsoft.com/office/drawing/2014/main" id="{61102A19-D836-4D90-B52D-16BC6441DC4E}"/>
+                <a16:creationId xmlns:a16="http://schemas.microsoft.com/office/drawing/2014/main" xmlns="" id="{61102A19-D836-4D90-B52D-16BC6441DC4E}"/>
               </a:ext>
             </a:extLst>
           </p:cNvPr>
@@ -3883,7 +3907,7 @@
           <p:cNvPr id="4" name="Image 3">
             <a:extLst>
               <a:ext uri="{FF2B5EF4-FFF2-40B4-BE49-F238E27FC236}">
-                <a16:creationId xmlns:a16="http://schemas.microsoft.com/office/drawing/2014/main" id="{74F09B96-0AD4-438F-BD09-954B68BDA84C}"/>
+                <a16:creationId xmlns:a16="http://schemas.microsoft.com/office/drawing/2014/main" xmlns="" id="{74F09B96-0AD4-438F-BD09-954B68BDA84C}"/>
               </a:ext>
             </a:extLst>
           </p:cNvPr>
@@ -3913,7 +3937,7 @@
           <p:cNvPr id="8" name="Connecteur droit avec flèche 7">
             <a:extLst>
               <a:ext uri="{FF2B5EF4-FFF2-40B4-BE49-F238E27FC236}">
-                <a16:creationId xmlns:a16="http://schemas.microsoft.com/office/drawing/2014/main" id="{3A0C7B5C-0F79-40A1-989A-E35E4A5AC68C}"/>
+                <a16:creationId xmlns:a16="http://schemas.microsoft.com/office/drawing/2014/main" xmlns="" id="{3A0C7B5C-0F79-40A1-989A-E35E4A5AC68C}"/>
               </a:ext>
             </a:extLst>
           </p:cNvPr>
@@ -3953,7 +3977,7 @@
     </p:spTree>
     <p:extLst>
       <p:ext uri="{BB962C8B-B14F-4D97-AF65-F5344CB8AC3E}">
-        <p14:creationId xmlns:p14="http://schemas.microsoft.com/office/powerpoint/2010/main" val="4077794977"/>
+        <p14:creationId xmlns:p14="http://schemas.microsoft.com/office/powerpoint/2010/main" xmlns="" val="4077794977"/>
       </p:ext>
     </p:extLst>
   </p:cSld>
@@ -3985,7 +4009,7 @@
           <p:cNvPr id="9" name="Rectangle 8">
             <a:extLst>
               <a:ext uri="{FF2B5EF4-FFF2-40B4-BE49-F238E27FC236}">
-                <a16:creationId xmlns:a16="http://schemas.microsoft.com/office/drawing/2014/main" id="{DF3D1DFC-7B6A-4424-9EBD-B42E14292B7F}"/>
+                <a16:creationId xmlns:a16="http://schemas.microsoft.com/office/drawing/2014/main" xmlns="" id="{DF3D1DFC-7B6A-4424-9EBD-B42E14292B7F}"/>
               </a:ext>
             </a:extLst>
           </p:cNvPr>
@@ -4023,7 +4047,7 @@
           <p:cNvPr id="2" name="Image 1">
             <a:extLst>
               <a:ext uri="{FF2B5EF4-FFF2-40B4-BE49-F238E27FC236}">
-                <a16:creationId xmlns:a16="http://schemas.microsoft.com/office/drawing/2014/main" id="{DE34EC9D-6359-4DCE-BA2D-2D971C6D2A7A}"/>
+                <a16:creationId xmlns:a16="http://schemas.microsoft.com/office/drawing/2014/main" xmlns="" id="{DE34EC9D-6359-4DCE-BA2D-2D971C6D2A7A}"/>
               </a:ext>
             </a:extLst>
           </p:cNvPr>
@@ -4053,7 +4077,7 @@
           <p:cNvPr id="3" name="Signe de multiplication 2">
             <a:extLst>
               <a:ext uri="{FF2B5EF4-FFF2-40B4-BE49-F238E27FC236}">
-                <a16:creationId xmlns:a16="http://schemas.microsoft.com/office/drawing/2014/main" id="{D880E88C-72A3-4423-91ED-5D2EEF05673D}"/>
+                <a16:creationId xmlns:a16="http://schemas.microsoft.com/office/drawing/2014/main" xmlns="" id="{D880E88C-72A3-4423-91ED-5D2EEF05673D}"/>
               </a:ext>
             </a:extLst>
           </p:cNvPr>
@@ -4107,7 +4131,7 @@
     </p:spTree>
     <p:extLst>
       <p:ext uri="{BB962C8B-B14F-4D97-AF65-F5344CB8AC3E}">
-        <p14:creationId xmlns:p14="http://schemas.microsoft.com/office/powerpoint/2010/main" val="1709085284"/>
+        <p14:creationId xmlns:p14="http://schemas.microsoft.com/office/powerpoint/2010/main" xmlns="" val="1709085284"/>
       </p:ext>
     </p:extLst>
   </p:cSld>
@@ -4139,7 +4163,7 @@
           <p:cNvPr id="9" name="Rectangle 8">
             <a:extLst>
               <a:ext uri="{FF2B5EF4-FFF2-40B4-BE49-F238E27FC236}">
-                <a16:creationId xmlns:a16="http://schemas.microsoft.com/office/drawing/2014/main" id="{DF3D1DFC-7B6A-4424-9EBD-B42E14292B7F}"/>
+                <a16:creationId xmlns:a16="http://schemas.microsoft.com/office/drawing/2014/main" xmlns="" id="{DF3D1DFC-7B6A-4424-9EBD-B42E14292B7F}"/>
               </a:ext>
             </a:extLst>
           </p:cNvPr>
@@ -4177,7 +4201,7 @@
           <p:cNvPr id="2" name="Image 1">
             <a:extLst>
               <a:ext uri="{FF2B5EF4-FFF2-40B4-BE49-F238E27FC236}">
-                <a16:creationId xmlns:a16="http://schemas.microsoft.com/office/drawing/2014/main" id="{F910E1AC-63C0-467E-9F1E-16456258C0CA}"/>
+                <a16:creationId xmlns:a16="http://schemas.microsoft.com/office/drawing/2014/main" xmlns="" id="{F910E1AC-63C0-467E-9F1E-16456258C0CA}"/>
               </a:ext>
             </a:extLst>
           </p:cNvPr>
@@ -4207,7 +4231,7 @@
           <p:cNvPr id="3" name="Image 2">
             <a:extLst>
               <a:ext uri="{FF2B5EF4-FFF2-40B4-BE49-F238E27FC236}">
-                <a16:creationId xmlns:a16="http://schemas.microsoft.com/office/drawing/2014/main" id="{86D42784-6830-47CB-8A2C-1FBD17B8C4DE}"/>
+                <a16:creationId xmlns:a16="http://schemas.microsoft.com/office/drawing/2014/main" xmlns="" id="{86D42784-6830-47CB-8A2C-1FBD17B8C4DE}"/>
               </a:ext>
             </a:extLst>
           </p:cNvPr>
@@ -4242,7 +4266,7 @@
           <p:cNvPr id="5" name="Connecteur droit avec flèche 4">
             <a:extLst>
               <a:ext uri="{FF2B5EF4-FFF2-40B4-BE49-F238E27FC236}">
-                <a16:creationId xmlns:a16="http://schemas.microsoft.com/office/drawing/2014/main" id="{7C443BFC-CB93-422D-919E-CCCDD6DDE417}"/>
+                <a16:creationId xmlns:a16="http://schemas.microsoft.com/office/drawing/2014/main" xmlns="" id="{7C443BFC-CB93-422D-919E-CCCDD6DDE417}"/>
               </a:ext>
             </a:extLst>
           </p:cNvPr>
@@ -4284,7 +4308,7 @@
     </p:spTree>
     <p:extLst>
       <p:ext uri="{BB962C8B-B14F-4D97-AF65-F5344CB8AC3E}">
-        <p14:creationId xmlns:p14="http://schemas.microsoft.com/office/powerpoint/2010/main" val="3854829967"/>
+        <p14:creationId xmlns:p14="http://schemas.microsoft.com/office/powerpoint/2010/main" xmlns="" val="3854829967"/>
       </p:ext>
     </p:extLst>
   </p:cSld>
@@ -4316,7 +4340,7 @@
           <p:cNvPr id="9" name="Rectangle 8">
             <a:extLst>
               <a:ext uri="{FF2B5EF4-FFF2-40B4-BE49-F238E27FC236}">
-                <a16:creationId xmlns:a16="http://schemas.microsoft.com/office/drawing/2014/main" id="{DF3D1DFC-7B6A-4424-9EBD-B42E14292B7F}"/>
+                <a16:creationId xmlns:a16="http://schemas.microsoft.com/office/drawing/2014/main" xmlns="" id="{DF3D1DFC-7B6A-4424-9EBD-B42E14292B7F}"/>
               </a:ext>
             </a:extLst>
           </p:cNvPr>
@@ -4352,7 +4376,7 @@
     </p:spTree>
     <p:extLst>
       <p:ext uri="{BB962C8B-B14F-4D97-AF65-F5344CB8AC3E}">
-        <p14:creationId xmlns:p14="http://schemas.microsoft.com/office/powerpoint/2010/main" val="1060172642"/>
+        <p14:creationId xmlns:p14="http://schemas.microsoft.com/office/powerpoint/2010/main" xmlns="" val="1060172642"/>
       </p:ext>
     </p:extLst>
   </p:cSld>
@@ -4384,7 +4408,7 @@
           <p:cNvPr id="3" name="Image 2">
             <a:extLst>
               <a:ext uri="{FF2B5EF4-FFF2-40B4-BE49-F238E27FC236}">
-                <a16:creationId xmlns:a16="http://schemas.microsoft.com/office/drawing/2014/main" id="{3287E7C1-459E-4364-866E-AC9704901C7D}"/>
+                <a16:creationId xmlns:a16="http://schemas.microsoft.com/office/drawing/2014/main" xmlns="" id="{3287E7C1-459E-4364-866E-AC9704901C7D}"/>
               </a:ext>
             </a:extLst>
           </p:cNvPr>
@@ -4397,7 +4421,7 @@
           <a:blip r:embed="rId2">
             <a:extLst>
               <a:ext uri="{28A0092B-C50C-407E-A947-70E740481C1C}">
-                <a14:useLocalDpi xmlns:a14="http://schemas.microsoft.com/office/drawing/2010/main" val="0"/>
+                <a14:useLocalDpi xmlns:a14="http://schemas.microsoft.com/office/drawing/2010/main" xmlns="" val="0"/>
               </a:ext>
             </a:extLst>
           </a:blip>
@@ -4420,7 +4444,7 @@
           <p:cNvPr id="4" name="Image 3">
             <a:extLst>
               <a:ext uri="{FF2B5EF4-FFF2-40B4-BE49-F238E27FC236}">
-                <a16:creationId xmlns:a16="http://schemas.microsoft.com/office/drawing/2014/main" id="{DDF147FF-6C55-4BBB-83F3-6C7D3117D491}"/>
+                <a16:creationId xmlns:a16="http://schemas.microsoft.com/office/drawing/2014/main" xmlns="" id="{DDF147FF-6C55-4BBB-83F3-6C7D3117D491}"/>
               </a:ext>
             </a:extLst>
           </p:cNvPr>
@@ -4433,7 +4457,7 @@
           <a:blip r:embed="rId3">
             <a:extLst>
               <a:ext uri="{28A0092B-C50C-407E-A947-70E740481C1C}">
-                <a14:useLocalDpi xmlns:a14="http://schemas.microsoft.com/office/drawing/2010/main" val="0"/>
+                <a14:useLocalDpi xmlns:a14="http://schemas.microsoft.com/office/drawing/2010/main" xmlns="" val="0"/>
               </a:ext>
             </a:extLst>
           </a:blip>
@@ -4454,7 +4478,7 @@
     </p:spTree>
     <p:extLst>
       <p:ext uri="{BB962C8B-B14F-4D97-AF65-F5344CB8AC3E}">
-        <p14:creationId xmlns:p14="http://schemas.microsoft.com/office/powerpoint/2010/main" val="1688681372"/>
+        <p14:creationId xmlns:p14="http://schemas.microsoft.com/office/powerpoint/2010/main" xmlns="" val="1688681372"/>
       </p:ext>
     </p:extLst>
   </p:cSld>
@@ -4486,7 +4510,7 @@
           <p:cNvPr id="2" name="Rectangle 1">
             <a:extLst>
               <a:ext uri="{FF2B5EF4-FFF2-40B4-BE49-F238E27FC236}">
-                <a16:creationId xmlns:a16="http://schemas.microsoft.com/office/drawing/2014/main" id="{E2AEC617-1C28-4E31-A7BD-54CE36732F71}"/>
+                <a16:creationId xmlns:a16="http://schemas.microsoft.com/office/drawing/2014/main" xmlns="" id="{E2AEC617-1C28-4E31-A7BD-54CE36732F71}"/>
               </a:ext>
             </a:extLst>
           </p:cNvPr>
@@ -4525,7 +4549,7 @@
           <p:cNvPr id="26" name="Groupe 25">
             <a:extLst>
               <a:ext uri="{FF2B5EF4-FFF2-40B4-BE49-F238E27FC236}">
-                <a16:creationId xmlns:a16="http://schemas.microsoft.com/office/drawing/2014/main" id="{10DC655C-B733-4BBE-844F-BCDD7EF8F01E}"/>
+                <a16:creationId xmlns:a16="http://schemas.microsoft.com/office/drawing/2014/main" xmlns="" id="{10DC655C-B733-4BBE-844F-BCDD7EF8F01E}"/>
               </a:ext>
             </a:extLst>
           </p:cNvPr>
@@ -4545,7 +4569,7 @@
             <p:cNvPr id="6" name="Connecteur droit avec flèche 5">
               <a:extLst>
                 <a:ext uri="{FF2B5EF4-FFF2-40B4-BE49-F238E27FC236}">
-                  <a16:creationId xmlns:a16="http://schemas.microsoft.com/office/drawing/2014/main" id="{49C777AE-9D61-4F95-B3A6-532C641FAD1C}"/>
+                  <a16:creationId xmlns:a16="http://schemas.microsoft.com/office/drawing/2014/main" xmlns="" id="{49C777AE-9D61-4F95-B3A6-532C641FAD1C}"/>
                 </a:ext>
               </a:extLst>
             </p:cNvPr>
@@ -4590,7 +4614,7 @@
             <p:cNvPr id="16" name="Groupe 15">
               <a:extLst>
                 <a:ext uri="{FF2B5EF4-FFF2-40B4-BE49-F238E27FC236}">
-                  <a16:creationId xmlns:a16="http://schemas.microsoft.com/office/drawing/2014/main" id="{87DB60F8-78C2-4DDB-89D3-5A8CD3010CCF}"/>
+                  <a16:creationId xmlns:a16="http://schemas.microsoft.com/office/drawing/2014/main" xmlns="" id="{87DB60F8-78C2-4DDB-89D3-5A8CD3010CCF}"/>
                 </a:ext>
               </a:extLst>
             </p:cNvPr>
@@ -4610,7 +4634,7 @@
               <p:cNvPr id="10" name="Organigramme : Connecteur 9">
                 <a:extLst>
                   <a:ext uri="{FF2B5EF4-FFF2-40B4-BE49-F238E27FC236}">
-                    <a16:creationId xmlns:a16="http://schemas.microsoft.com/office/drawing/2014/main" id="{D9054BBB-3810-45C1-967A-D68E83D799DA}"/>
+                    <a16:creationId xmlns:a16="http://schemas.microsoft.com/office/drawing/2014/main" xmlns="" id="{D9054BBB-3810-45C1-967A-D68E83D799DA}"/>
                   </a:ext>
                 </a:extLst>
               </p:cNvPr>
@@ -4654,7 +4678,7 @@
               <p:cNvPr id="11" name="Rectangle : coins arrondis 10">
                 <a:extLst>
                   <a:ext uri="{FF2B5EF4-FFF2-40B4-BE49-F238E27FC236}">
-                    <a16:creationId xmlns:a16="http://schemas.microsoft.com/office/drawing/2014/main" id="{CEF3EB9F-398D-47A5-A537-227DF827AF2E}"/>
+                    <a16:creationId xmlns:a16="http://schemas.microsoft.com/office/drawing/2014/main" xmlns="" id="{CEF3EB9F-398D-47A5-A537-227DF827AF2E}"/>
                   </a:ext>
                 </a:extLst>
               </p:cNvPr>
@@ -4734,7 +4758,7 @@
               <p:cNvPr id="12" name="Connecteur droit avec flèche 11">
                 <a:extLst>
                   <a:ext uri="{FF2B5EF4-FFF2-40B4-BE49-F238E27FC236}">
-                    <a16:creationId xmlns:a16="http://schemas.microsoft.com/office/drawing/2014/main" id="{15D26AC4-56B1-4F41-89EC-D342C1B0EDE9}"/>
+                    <a16:creationId xmlns:a16="http://schemas.microsoft.com/office/drawing/2014/main" xmlns="" id="{15D26AC4-56B1-4F41-89EC-D342C1B0EDE9}"/>
                   </a:ext>
                 </a:extLst>
               </p:cNvPr>
@@ -4783,7 +4807,7 @@
             <p:cNvPr id="7" name="Organigramme : Connecteur 6">
               <a:extLst>
                 <a:ext uri="{FF2B5EF4-FFF2-40B4-BE49-F238E27FC236}">
-                  <a16:creationId xmlns:a16="http://schemas.microsoft.com/office/drawing/2014/main" id="{E140A22D-F13B-4C3A-BA62-B17FADED08E4}"/>
+                  <a16:creationId xmlns:a16="http://schemas.microsoft.com/office/drawing/2014/main" xmlns="" id="{E140A22D-F13B-4C3A-BA62-B17FADED08E4}"/>
                 </a:ext>
               </a:extLst>
             </p:cNvPr>
@@ -4827,7 +4851,7 @@
             <p:cNvPr id="8" name="Rectangle : coins arrondis 7">
               <a:extLst>
                 <a:ext uri="{FF2B5EF4-FFF2-40B4-BE49-F238E27FC236}">
-                  <a16:creationId xmlns:a16="http://schemas.microsoft.com/office/drawing/2014/main" id="{DC0FC94B-BED4-499C-9995-1C21E7FA86B3}"/>
+                  <a16:creationId xmlns:a16="http://schemas.microsoft.com/office/drawing/2014/main" xmlns="" id="{DC0FC94B-BED4-499C-9995-1C21E7FA86B3}"/>
                 </a:ext>
               </a:extLst>
             </p:cNvPr>
@@ -4881,7 +4905,7 @@
             <p:cNvPr id="9" name="Connecteur droit avec flèche 8">
               <a:extLst>
                 <a:ext uri="{FF2B5EF4-FFF2-40B4-BE49-F238E27FC236}">
-                  <a16:creationId xmlns:a16="http://schemas.microsoft.com/office/drawing/2014/main" id="{32F926AA-7E62-4D49-9D4F-9820080D046D}"/>
+                  <a16:creationId xmlns:a16="http://schemas.microsoft.com/office/drawing/2014/main" xmlns="" id="{32F926AA-7E62-4D49-9D4F-9820080D046D}"/>
                 </a:ext>
               </a:extLst>
             </p:cNvPr>
@@ -4928,7 +4952,7 @@
             <p:cNvPr id="17" name="Accolade ouvrante 16">
               <a:extLst>
                 <a:ext uri="{FF2B5EF4-FFF2-40B4-BE49-F238E27FC236}">
-                  <a16:creationId xmlns:a16="http://schemas.microsoft.com/office/drawing/2014/main" id="{A174CC2A-9947-4E74-93C4-B680CCB55896}"/>
+                  <a16:creationId xmlns:a16="http://schemas.microsoft.com/office/drawing/2014/main" xmlns="" id="{A174CC2A-9947-4E74-93C4-B680CCB55896}"/>
                 </a:ext>
               </a:extLst>
             </p:cNvPr>
@@ -4976,7 +5000,7 @@
             <p:cNvPr id="18" name="Rectangle 17">
               <a:extLst>
                 <a:ext uri="{FF2B5EF4-FFF2-40B4-BE49-F238E27FC236}">
-                  <a16:creationId xmlns:a16="http://schemas.microsoft.com/office/drawing/2014/main" id="{4ACEF2A7-05A3-4ECD-833C-E9907F1E3EB1}"/>
+                  <a16:creationId xmlns:a16="http://schemas.microsoft.com/office/drawing/2014/main" xmlns="" id="{4ACEF2A7-05A3-4ECD-833C-E9907F1E3EB1}"/>
                 </a:ext>
               </a:extLst>
             </p:cNvPr>
@@ -5010,7 +5034,7 @@
             <p:cNvPr id="19" name="Rectangle 18">
               <a:extLst>
                 <a:ext uri="{FF2B5EF4-FFF2-40B4-BE49-F238E27FC236}">
-                  <a16:creationId xmlns:a16="http://schemas.microsoft.com/office/drawing/2014/main" id="{4DF39904-202A-4A3B-B322-3DEB8EF2B27C}"/>
+                  <a16:creationId xmlns:a16="http://schemas.microsoft.com/office/drawing/2014/main" xmlns="" id="{4DF39904-202A-4A3B-B322-3DEB8EF2B27C}"/>
                 </a:ext>
               </a:extLst>
             </p:cNvPr>
@@ -5044,7 +5068,7 @@
             <p:cNvPr id="20" name="Rectangle 19">
               <a:extLst>
                 <a:ext uri="{FF2B5EF4-FFF2-40B4-BE49-F238E27FC236}">
-                  <a16:creationId xmlns:a16="http://schemas.microsoft.com/office/drawing/2014/main" id="{2F9632CE-0F1B-4D79-9BF9-9A00FEBD32ED}"/>
+                  <a16:creationId xmlns:a16="http://schemas.microsoft.com/office/drawing/2014/main" xmlns="" id="{2F9632CE-0F1B-4D79-9BF9-9A00FEBD32ED}"/>
                 </a:ext>
               </a:extLst>
             </p:cNvPr>
@@ -5078,7 +5102,7 @@
             <p:cNvPr id="21" name="Groupe 20">
               <a:extLst>
                 <a:ext uri="{FF2B5EF4-FFF2-40B4-BE49-F238E27FC236}">
-                  <a16:creationId xmlns:a16="http://schemas.microsoft.com/office/drawing/2014/main" id="{6BD48BFA-282D-4DB9-8D09-A2177287F0BF}"/>
+                  <a16:creationId xmlns:a16="http://schemas.microsoft.com/office/drawing/2014/main" xmlns="" id="{6BD48BFA-282D-4DB9-8D09-A2177287F0BF}"/>
                 </a:ext>
               </a:extLst>
             </p:cNvPr>
@@ -5098,7 +5122,7 @@
               <p:cNvPr id="22" name="Organigramme : Connecteur 21">
                 <a:extLst>
                   <a:ext uri="{FF2B5EF4-FFF2-40B4-BE49-F238E27FC236}">
-                    <a16:creationId xmlns:a16="http://schemas.microsoft.com/office/drawing/2014/main" id="{AF654811-2365-4DE2-90DA-C99DDBE2217A}"/>
+                    <a16:creationId xmlns:a16="http://schemas.microsoft.com/office/drawing/2014/main" xmlns="" id="{AF654811-2365-4DE2-90DA-C99DDBE2217A}"/>
                   </a:ext>
                 </a:extLst>
               </p:cNvPr>
@@ -5142,7 +5166,7 @@
               <p:cNvPr id="23" name="Rectangle : coins arrondis 22">
                 <a:extLst>
                   <a:ext uri="{FF2B5EF4-FFF2-40B4-BE49-F238E27FC236}">
-                    <a16:creationId xmlns:a16="http://schemas.microsoft.com/office/drawing/2014/main" id="{C2CE557A-8D40-4153-AC4A-AB55B01FFC79}"/>
+                    <a16:creationId xmlns:a16="http://schemas.microsoft.com/office/drawing/2014/main" xmlns="" id="{C2CE557A-8D40-4153-AC4A-AB55B01FFC79}"/>
                   </a:ext>
                 </a:extLst>
               </p:cNvPr>
@@ -5234,7 +5258,7 @@
               <p:cNvPr id="24" name="Connecteur droit avec flèche 23">
                 <a:extLst>
                   <a:ext uri="{FF2B5EF4-FFF2-40B4-BE49-F238E27FC236}">
-                    <a16:creationId xmlns:a16="http://schemas.microsoft.com/office/drawing/2014/main" id="{BE24995C-E04D-42C4-AAC1-618B8FAF28A9}"/>
+                    <a16:creationId xmlns:a16="http://schemas.microsoft.com/office/drawing/2014/main" xmlns="" id="{BE24995C-E04D-42C4-AAC1-618B8FAF28A9}"/>
                   </a:ext>
                 </a:extLst>
               </p:cNvPr>
@@ -5283,7 +5307,7 @@
           <p:cNvPr id="27" name="Rectangle 26">
             <a:extLst>
               <a:ext uri="{FF2B5EF4-FFF2-40B4-BE49-F238E27FC236}">
-                <a16:creationId xmlns:a16="http://schemas.microsoft.com/office/drawing/2014/main" id="{67C6F901-23E0-416A-B7A7-921ED49F61C1}"/>
+                <a16:creationId xmlns:a16="http://schemas.microsoft.com/office/drawing/2014/main" xmlns="" id="{67C6F901-23E0-416A-B7A7-921ED49F61C1}"/>
               </a:ext>
             </a:extLst>
           </p:cNvPr>
@@ -5339,7 +5363,7 @@
     </p:spTree>
     <p:extLst>
       <p:ext uri="{BB962C8B-B14F-4D97-AF65-F5344CB8AC3E}">
-        <p14:creationId xmlns:p14="http://schemas.microsoft.com/office/powerpoint/2010/main" val="3672184299"/>
+        <p14:creationId xmlns:p14="http://schemas.microsoft.com/office/powerpoint/2010/main" xmlns="" val="3672184299"/>
       </p:ext>
     </p:extLst>
   </p:cSld>
@@ -5371,7 +5395,7 @@
           <p:cNvPr id="3" name="Rectangle 2">
             <a:extLst>
               <a:ext uri="{FF2B5EF4-FFF2-40B4-BE49-F238E27FC236}">
-                <a16:creationId xmlns:a16="http://schemas.microsoft.com/office/drawing/2014/main" id="{AD970A4B-AEA6-486D-888D-9DF262FF34D9}"/>
+                <a16:creationId xmlns:a16="http://schemas.microsoft.com/office/drawing/2014/main" xmlns="" id="{AD970A4B-AEA6-486D-888D-9DF262FF34D9}"/>
               </a:ext>
             </a:extLst>
           </p:cNvPr>
@@ -5522,7 +5546,7 @@
           <p:cNvPr id="4" name="Rectangle 3">
             <a:extLst>
               <a:ext uri="{FF2B5EF4-FFF2-40B4-BE49-F238E27FC236}">
-                <a16:creationId xmlns:a16="http://schemas.microsoft.com/office/drawing/2014/main" id="{F79ECADD-7CC0-486F-9E76-41E044B043A0}"/>
+                <a16:creationId xmlns:a16="http://schemas.microsoft.com/office/drawing/2014/main" xmlns="" id="{F79ECADD-7CC0-486F-9E76-41E044B043A0}"/>
               </a:ext>
             </a:extLst>
           </p:cNvPr>
@@ -5562,7 +5586,7 @@
           <p:cNvPr id="5" name="Rectangle 4">
             <a:extLst>
               <a:ext uri="{FF2B5EF4-FFF2-40B4-BE49-F238E27FC236}">
-                <a16:creationId xmlns:a16="http://schemas.microsoft.com/office/drawing/2014/main" id="{F6F0A0D8-0126-49F5-A261-897AF90E5D98}"/>
+                <a16:creationId xmlns:a16="http://schemas.microsoft.com/office/drawing/2014/main" xmlns="" id="{F6F0A0D8-0126-49F5-A261-897AF90E5D98}"/>
               </a:ext>
             </a:extLst>
           </p:cNvPr>
@@ -5600,7 +5624,7 @@
     </p:spTree>
     <p:extLst>
       <p:ext uri="{BB962C8B-B14F-4D97-AF65-F5344CB8AC3E}">
-        <p14:creationId xmlns:p14="http://schemas.microsoft.com/office/powerpoint/2010/main" val="48931861"/>
+        <p14:creationId xmlns:p14="http://schemas.microsoft.com/office/powerpoint/2010/main" xmlns="" val="48931861"/>
       </p:ext>
     </p:extLst>
   </p:cSld>
@@ -5632,7 +5656,7 @@
           <p:cNvPr id="2" name="Rectangle 1">
             <a:extLst>
               <a:ext uri="{FF2B5EF4-FFF2-40B4-BE49-F238E27FC236}">
-                <a16:creationId xmlns:a16="http://schemas.microsoft.com/office/drawing/2014/main" id="{E18005FF-11B5-4BEF-AFC3-643F3EFD5A59}"/>
+                <a16:creationId xmlns:a16="http://schemas.microsoft.com/office/drawing/2014/main" xmlns="" id="{E18005FF-11B5-4BEF-AFC3-643F3EFD5A59}"/>
               </a:ext>
             </a:extLst>
           </p:cNvPr>
@@ -5755,7 +5779,7 @@
           <p:cNvPr id="4" name="Rectangle 3">
             <a:extLst>
               <a:ext uri="{FF2B5EF4-FFF2-40B4-BE49-F238E27FC236}">
-                <a16:creationId xmlns:a16="http://schemas.microsoft.com/office/drawing/2014/main" id="{B074FFC4-E890-4B87-AC59-A2D2C44E54D3}"/>
+                <a16:creationId xmlns:a16="http://schemas.microsoft.com/office/drawing/2014/main" xmlns="" id="{B074FFC4-E890-4B87-AC59-A2D2C44E54D3}"/>
               </a:ext>
             </a:extLst>
           </p:cNvPr>
@@ -5788,7 +5812,7 @@
     </p:spTree>
     <p:extLst>
       <p:ext uri="{BB962C8B-B14F-4D97-AF65-F5344CB8AC3E}">
-        <p14:creationId xmlns:p14="http://schemas.microsoft.com/office/powerpoint/2010/main" val="3941850065"/>
+        <p14:creationId xmlns:p14="http://schemas.microsoft.com/office/powerpoint/2010/main" xmlns="" val="3941850065"/>
       </p:ext>
     </p:extLst>
   </p:cSld>
@@ -5820,7 +5844,7 @@
           <p:cNvPr id="4" name="ZoneTexte 3">
             <a:extLst>
               <a:ext uri="{FF2B5EF4-FFF2-40B4-BE49-F238E27FC236}">
-                <a16:creationId xmlns:a16="http://schemas.microsoft.com/office/drawing/2014/main" id="{BEC9937C-416D-473D-8716-282B7AA9FBD3}"/>
+                <a16:creationId xmlns:a16="http://schemas.microsoft.com/office/drawing/2014/main" xmlns="" id="{BEC9937C-416D-473D-8716-282B7AA9FBD3}"/>
               </a:ext>
             </a:extLst>
           </p:cNvPr>
@@ -5858,7 +5882,7 @@
           <p:cNvPr id="5" name="Rectangle 4">
             <a:extLst>
               <a:ext uri="{FF2B5EF4-FFF2-40B4-BE49-F238E27FC236}">
-                <a16:creationId xmlns:a16="http://schemas.microsoft.com/office/drawing/2014/main" id="{265720E3-DF8B-499B-885E-F031E8A09D7F}"/>
+                <a16:creationId xmlns:a16="http://schemas.microsoft.com/office/drawing/2014/main" xmlns="" id="{265720E3-DF8B-499B-885E-F031E8A09D7F}"/>
               </a:ext>
             </a:extLst>
           </p:cNvPr>
@@ -5932,7 +5956,7 @@
           <p:cNvPr id="6" name="Rectangle 5">
             <a:extLst>
               <a:ext uri="{FF2B5EF4-FFF2-40B4-BE49-F238E27FC236}">
-                <a16:creationId xmlns:a16="http://schemas.microsoft.com/office/drawing/2014/main" id="{E5988148-EB5E-4AB7-92A6-E17D8679394A}"/>
+                <a16:creationId xmlns:a16="http://schemas.microsoft.com/office/drawing/2014/main" xmlns="" id="{E5988148-EB5E-4AB7-92A6-E17D8679394A}"/>
               </a:ext>
             </a:extLst>
           </p:cNvPr>
@@ -6041,6 +6065,10 @@
               <a:rPr lang="fr-FR" b="1" dirty="0"/>
               <a:t>Licence payante</a:t>
             </a:r>
+            <a:r>
+              <a:rPr lang="fr-FR" dirty="0"/>
+              <a:t/>
+            </a:r>
             <a:br>
               <a:rPr lang="fr-FR" dirty="0"/>
             </a:br>
@@ -6081,7 +6109,7 @@
           <p:cNvPr id="8" name="Image 7">
             <a:extLst>
               <a:ext uri="{FF2B5EF4-FFF2-40B4-BE49-F238E27FC236}">
-                <a16:creationId xmlns:a16="http://schemas.microsoft.com/office/drawing/2014/main" id="{14B4B75E-D186-4A71-9271-9024BEAD3B62}"/>
+                <a16:creationId xmlns:a16="http://schemas.microsoft.com/office/drawing/2014/main" xmlns="" id="{14B4B75E-D186-4A71-9271-9024BEAD3B62}"/>
               </a:ext>
             </a:extLst>
           </p:cNvPr>
@@ -6094,7 +6122,7 @@
           <a:blip r:embed="rId2">
             <a:extLst>
               <a:ext uri="{BEBA8EAE-BF5A-486C-A8C5-ECC9F3942E4B}">
-                <a14:imgProps xmlns:a14="http://schemas.microsoft.com/office/drawing/2010/main">
+                <a14:imgProps xmlns:a14="http://schemas.microsoft.com/office/drawing/2010/main" xmlns="">
                   <a14:imgLayer r:embed="rId3">
                     <a14:imgEffect>
                       <a14:artisticFilmGrain/>
@@ -6121,7 +6149,7 @@
     </p:spTree>
     <p:extLst>
       <p:ext uri="{BB962C8B-B14F-4D97-AF65-F5344CB8AC3E}">
-        <p14:creationId xmlns:p14="http://schemas.microsoft.com/office/powerpoint/2010/main" val="3238585818"/>
+        <p14:creationId xmlns:p14="http://schemas.microsoft.com/office/powerpoint/2010/main" xmlns="" val="3238585818"/>
       </p:ext>
     </p:extLst>
   </p:cSld>
@@ -6153,7 +6181,7 @@
           <p:cNvPr id="3" name="ZoneTexte 2">
             <a:extLst>
               <a:ext uri="{FF2B5EF4-FFF2-40B4-BE49-F238E27FC236}">
-                <a16:creationId xmlns:a16="http://schemas.microsoft.com/office/drawing/2014/main" id="{413A0688-A0F2-4800-8E16-984F1452DAAC}"/>
+                <a16:creationId xmlns:a16="http://schemas.microsoft.com/office/drawing/2014/main" xmlns="" id="{413A0688-A0F2-4800-8E16-984F1452DAAC}"/>
               </a:ext>
             </a:extLst>
           </p:cNvPr>
@@ -6202,7 +6230,7 @@
           <p:cNvPr id="4" name="ZoneTexte 3">
             <a:extLst>
               <a:ext uri="{FF2B5EF4-FFF2-40B4-BE49-F238E27FC236}">
-                <a16:creationId xmlns:a16="http://schemas.microsoft.com/office/drawing/2014/main" id="{712C5E66-FC80-4AF2-8C2F-834CD97C618D}"/>
+                <a16:creationId xmlns:a16="http://schemas.microsoft.com/office/drawing/2014/main" xmlns="" id="{712C5E66-FC80-4AF2-8C2F-834CD97C618D}"/>
               </a:ext>
             </a:extLst>
           </p:cNvPr>
@@ -6238,7 +6266,7 @@
     </p:spTree>
     <p:extLst>
       <p:ext uri="{BB962C8B-B14F-4D97-AF65-F5344CB8AC3E}">
-        <p14:creationId xmlns:p14="http://schemas.microsoft.com/office/powerpoint/2010/main" val="2030047928"/>
+        <p14:creationId xmlns:p14="http://schemas.microsoft.com/office/powerpoint/2010/main" xmlns="" val="2030047928"/>
       </p:ext>
     </p:extLst>
   </p:cSld>
@@ -6270,7 +6298,7 @@
           <p:cNvPr id="2" name="Image 1">
             <a:extLst>
               <a:ext uri="{FF2B5EF4-FFF2-40B4-BE49-F238E27FC236}">
-                <a16:creationId xmlns:a16="http://schemas.microsoft.com/office/drawing/2014/main" id="{D2ACB620-4AE0-461C-ADDF-AA4AECDE56C8}"/>
+                <a16:creationId xmlns:a16="http://schemas.microsoft.com/office/drawing/2014/main" xmlns="" id="{D2ACB620-4AE0-461C-ADDF-AA4AECDE56C8}"/>
               </a:ext>
             </a:extLst>
           </p:cNvPr>
@@ -6299,7 +6327,7 @@
           <p:cNvPr id="3" name="Rectangle 2">
             <a:extLst>
               <a:ext uri="{FF2B5EF4-FFF2-40B4-BE49-F238E27FC236}">
-                <a16:creationId xmlns:a16="http://schemas.microsoft.com/office/drawing/2014/main" id="{2D6F094F-CD1A-4BA3-85F5-211365308013}"/>
+                <a16:creationId xmlns:a16="http://schemas.microsoft.com/office/drawing/2014/main" xmlns="" id="{2D6F094F-CD1A-4BA3-85F5-211365308013}"/>
               </a:ext>
             </a:extLst>
           </p:cNvPr>
@@ -6335,7 +6363,7 @@
     </p:spTree>
     <p:extLst>
       <p:ext uri="{BB962C8B-B14F-4D97-AF65-F5344CB8AC3E}">
-        <p14:creationId xmlns:p14="http://schemas.microsoft.com/office/powerpoint/2010/main" val="2126666980"/>
+        <p14:creationId xmlns:p14="http://schemas.microsoft.com/office/powerpoint/2010/main" xmlns="" val="2126666980"/>
       </p:ext>
     </p:extLst>
   </p:cSld>
@@ -6367,7 +6395,7 @@
           <p:cNvPr id="3" name="Rectangle 2">
             <a:extLst>
               <a:ext uri="{FF2B5EF4-FFF2-40B4-BE49-F238E27FC236}">
-                <a16:creationId xmlns:a16="http://schemas.microsoft.com/office/drawing/2014/main" id="{2D6F094F-CD1A-4BA3-85F5-211365308013}"/>
+                <a16:creationId xmlns:a16="http://schemas.microsoft.com/office/drawing/2014/main" xmlns="" id="{2D6F094F-CD1A-4BA3-85F5-211365308013}"/>
               </a:ext>
             </a:extLst>
           </p:cNvPr>
@@ -6405,7 +6433,7 @@
           <p:cNvPr id="4" name="ZoneTexte 3">
             <a:extLst>
               <a:ext uri="{FF2B5EF4-FFF2-40B4-BE49-F238E27FC236}">
-                <a16:creationId xmlns:a16="http://schemas.microsoft.com/office/drawing/2014/main" id="{9BEC3893-C95D-4091-886A-68F4BB57F6E9}"/>
+                <a16:creationId xmlns:a16="http://schemas.microsoft.com/office/drawing/2014/main" xmlns="" id="{9BEC3893-C95D-4091-886A-68F4BB57F6E9}"/>
               </a:ext>
             </a:extLst>
           </p:cNvPr>
@@ -6415,7 +6443,7 @@
         <p:spPr>
           <a:xfrm>
             <a:off x="3566160" y="2729341"/>
-            <a:ext cx="5854103" cy="3046988"/>
+            <a:ext cx="6457986" cy="3046988"/>
           </a:xfrm>
           <a:prstGeom prst="rect">
             <a:avLst/>
@@ -6452,8 +6480,17 @@
             </a:r>
             <a:r>
               <a:rPr lang="fr-FR" sz="3200" dirty="0"/>
-              <a:t> barre</a:t>
-            </a:r>
+              <a:t> </a:t>
+            </a:r>
+            <a:r>
+              <a:rPr lang="fr-FR" sz="3200" dirty="0" smtClean="0"/>
+              <a:t>barre _ fait gaffe </a:t>
+            </a:r>
+            <a:r>
+              <a:rPr lang="fr-FR" sz="3200" smtClean="0"/>
+              <a:t>mode phone </a:t>
+            </a:r>
+            <a:endParaRPr lang="fr-FR" sz="3200" dirty="0"/>
           </a:p>
           <a:p>
             <a:pPr marL="285750" indent="-285750">
@@ -6502,7 +6539,7 @@
           <p:cNvPr id="5" name="Image 4">
             <a:extLst>
               <a:ext uri="{FF2B5EF4-FFF2-40B4-BE49-F238E27FC236}">
-                <a16:creationId xmlns:a16="http://schemas.microsoft.com/office/drawing/2014/main" id="{77C14284-0706-49EB-B8DF-A68C65901FFE}"/>
+                <a16:creationId xmlns:a16="http://schemas.microsoft.com/office/drawing/2014/main" xmlns="" id="{77C14284-0706-49EB-B8DF-A68C65901FFE}"/>
               </a:ext>
             </a:extLst>
           </p:cNvPr>
@@ -6530,7 +6567,7 @@
     </p:spTree>
     <p:extLst>
       <p:ext uri="{BB962C8B-B14F-4D97-AF65-F5344CB8AC3E}">
-        <p14:creationId xmlns:p14="http://schemas.microsoft.com/office/powerpoint/2010/main" val="3349288041"/>
+        <p14:creationId xmlns:p14="http://schemas.microsoft.com/office/powerpoint/2010/main" xmlns="" val="3349288041"/>
       </p:ext>
     </p:extLst>
   </p:cSld>
@@ -6583,7 +6620,7 @@
     </a:clrScheme>
     <a:fontScheme name="Office">
       <a:majorFont>
-        <a:latin typeface="Calibri Light" panose="020F0302020204030204"/>
+        <a:latin typeface="Calibri Light"/>
         <a:ea typeface=""/>
         <a:cs typeface=""/>
         <a:font script="Jpan" typeface="游ゴシック Light"/>
@@ -6635,7 +6672,7 @@
         <a:font script="Tfng" typeface="Ebrima"/>
       </a:majorFont>
       <a:minorFont>
-        <a:latin typeface="Calibri" panose="020F0502020204030204"/>
+        <a:latin typeface="Calibri"/>
         <a:ea typeface=""/>
         <a:cs typeface=""/>
         <a:font script="Jpan" typeface="游ゴシック"/>
@@ -6829,7 +6866,7 @@
   <a:extraClrSchemeLst/>
   <a:extLst>
     <a:ext uri="{05A4C25C-085E-4340-85A3-A5531E510DB2}">
-      <thm15:themeFamily xmlns:thm15="http://schemas.microsoft.com/office/thememl/2012/main" name="Office Theme" id="{62F939B6-93AF-4DB8-9C6B-D6C7DFDC589F}" vid="{4A3C46E8-61CC-4603-A589-7422A47A8E4A}"/>
+      <thm15:themeFamily xmlns:thm15="http://schemas.microsoft.com/office/thememl/2012/main" xmlns="" name="Office Theme" id="{62F939B6-93AF-4DB8-9C6B-D6C7DFDC589F}" vid="{4A3C46E8-61CC-4603-A589-7422A47A8E4A}"/>
     </a:ext>
   </a:extLst>
 </a:theme>
